--- a/assets/dev.pptx
+++ b/assets/dev.pptx
@@ -6,6 +6,9 @@
   </p:sldMasterIdLst>
   <p:sldIdLst>
     <p:sldId id="256" r:id="rId2"/>
+    <p:sldId id="259" r:id="rId3"/>
+    <p:sldId id="258" r:id="rId4"/>
+    <p:sldId id="257" r:id="rId5"/>
   </p:sldIdLst>
   <p:sldSz cx="9144000" cy="6858000" type="screen4x3"/>
   <p:notesSz cx="6858000" cy="9144000"/>
@@ -288,6 +291,7 @@
           <a:p>
             <a:fld id="{6C1C027B-0ECD-4FE3-9E02-94F1C13E4210}" type="datetimeFigureOut">
               <a:rPr lang="en-US" smtClean="0"/>
+              <a:pPr/>
               <a:t>2/24/2018</a:t>
             </a:fld>
             <a:endParaRPr lang="en-US"/>
@@ -330,6 +334,7 @@
           <a:p>
             <a:fld id="{601D984E-0F10-412C-83D9-F15F00CCD525}" type="slidenum">
               <a:rPr lang="en-US" smtClean="0"/>
+              <a:pPr/>
               <a:t>‹N°›</a:t>
             </a:fld>
             <a:endParaRPr lang="en-US"/>
@@ -453,6 +458,7 @@
           <a:p>
             <a:fld id="{6C1C027B-0ECD-4FE3-9E02-94F1C13E4210}" type="datetimeFigureOut">
               <a:rPr lang="en-US" smtClean="0"/>
+              <a:pPr/>
               <a:t>2/24/2018</a:t>
             </a:fld>
             <a:endParaRPr lang="en-US"/>
@@ -495,6 +501,7 @@
           <a:p>
             <a:fld id="{601D984E-0F10-412C-83D9-F15F00CCD525}" type="slidenum">
               <a:rPr lang="en-US" smtClean="0"/>
+              <a:pPr/>
               <a:t>‹N°›</a:t>
             </a:fld>
             <a:endParaRPr lang="en-US"/>
@@ -628,6 +635,7 @@
           <a:p>
             <a:fld id="{6C1C027B-0ECD-4FE3-9E02-94F1C13E4210}" type="datetimeFigureOut">
               <a:rPr lang="en-US" smtClean="0"/>
+              <a:pPr/>
               <a:t>2/24/2018</a:t>
             </a:fld>
             <a:endParaRPr lang="en-US"/>
@@ -670,6 +678,7 @@
           <a:p>
             <a:fld id="{601D984E-0F10-412C-83D9-F15F00CCD525}" type="slidenum">
               <a:rPr lang="en-US" smtClean="0"/>
+              <a:pPr/>
               <a:t>‹N°›</a:t>
             </a:fld>
             <a:endParaRPr lang="en-US"/>
@@ -793,6 +802,7 @@
           <a:p>
             <a:fld id="{6C1C027B-0ECD-4FE3-9E02-94F1C13E4210}" type="datetimeFigureOut">
               <a:rPr lang="en-US" smtClean="0"/>
+              <a:pPr/>
               <a:t>2/24/2018</a:t>
             </a:fld>
             <a:endParaRPr lang="en-US"/>
@@ -835,6 +845,7 @@
           <a:p>
             <a:fld id="{601D984E-0F10-412C-83D9-F15F00CCD525}" type="slidenum">
               <a:rPr lang="en-US" smtClean="0"/>
+              <a:pPr/>
               <a:t>‹N°›</a:t>
             </a:fld>
             <a:endParaRPr lang="en-US"/>
@@ -1034,6 +1045,7 @@
           <a:p>
             <a:fld id="{6C1C027B-0ECD-4FE3-9E02-94F1C13E4210}" type="datetimeFigureOut">
               <a:rPr lang="en-US" smtClean="0"/>
+              <a:pPr/>
               <a:t>2/24/2018</a:t>
             </a:fld>
             <a:endParaRPr lang="en-US"/>
@@ -1076,6 +1088,7 @@
           <a:p>
             <a:fld id="{601D984E-0F10-412C-83D9-F15F00CCD525}" type="slidenum">
               <a:rPr lang="en-US" smtClean="0"/>
+              <a:pPr/>
               <a:t>‹N°›</a:t>
             </a:fld>
             <a:endParaRPr lang="en-US"/>
@@ -1317,6 +1330,7 @@
           <a:p>
             <a:fld id="{6C1C027B-0ECD-4FE3-9E02-94F1C13E4210}" type="datetimeFigureOut">
               <a:rPr lang="en-US" smtClean="0"/>
+              <a:pPr/>
               <a:t>2/24/2018</a:t>
             </a:fld>
             <a:endParaRPr lang="en-US"/>
@@ -1359,6 +1373,7 @@
           <a:p>
             <a:fld id="{601D984E-0F10-412C-83D9-F15F00CCD525}" type="slidenum">
               <a:rPr lang="en-US" smtClean="0"/>
+              <a:pPr/>
               <a:t>‹N°›</a:t>
             </a:fld>
             <a:endParaRPr lang="en-US"/>
@@ -1734,6 +1749,7 @@
           <a:p>
             <a:fld id="{6C1C027B-0ECD-4FE3-9E02-94F1C13E4210}" type="datetimeFigureOut">
               <a:rPr lang="en-US" smtClean="0"/>
+              <a:pPr/>
               <a:t>2/24/2018</a:t>
             </a:fld>
             <a:endParaRPr lang="en-US"/>
@@ -1776,6 +1792,7 @@
           <a:p>
             <a:fld id="{601D984E-0F10-412C-83D9-F15F00CCD525}" type="slidenum">
               <a:rPr lang="en-US" smtClean="0"/>
+              <a:pPr/>
               <a:t>‹N°›</a:t>
             </a:fld>
             <a:endParaRPr lang="en-US"/>
@@ -1847,6 +1864,7 @@
           <a:p>
             <a:fld id="{6C1C027B-0ECD-4FE3-9E02-94F1C13E4210}" type="datetimeFigureOut">
               <a:rPr lang="en-US" smtClean="0"/>
+              <a:pPr/>
               <a:t>2/24/2018</a:t>
             </a:fld>
             <a:endParaRPr lang="en-US"/>
@@ -1889,6 +1907,7 @@
           <a:p>
             <a:fld id="{601D984E-0F10-412C-83D9-F15F00CCD525}" type="slidenum">
               <a:rPr lang="en-US" smtClean="0"/>
+              <a:pPr/>
               <a:t>‹N°›</a:t>
             </a:fld>
             <a:endParaRPr lang="en-US"/>
@@ -1937,6 +1956,7 @@
           <a:p>
             <a:fld id="{6C1C027B-0ECD-4FE3-9E02-94F1C13E4210}" type="datetimeFigureOut">
               <a:rPr lang="en-US" smtClean="0"/>
+              <a:pPr/>
               <a:t>2/24/2018</a:t>
             </a:fld>
             <a:endParaRPr lang="en-US"/>
@@ -1979,6 +1999,7 @@
           <a:p>
             <a:fld id="{601D984E-0F10-412C-83D9-F15F00CCD525}" type="slidenum">
               <a:rPr lang="en-US" smtClean="0"/>
+              <a:pPr/>
               <a:t>‹N°›</a:t>
             </a:fld>
             <a:endParaRPr lang="en-US"/>
@@ -2209,6 +2230,7 @@
           <a:p>
             <a:fld id="{6C1C027B-0ECD-4FE3-9E02-94F1C13E4210}" type="datetimeFigureOut">
               <a:rPr lang="en-US" smtClean="0"/>
+              <a:pPr/>
               <a:t>2/24/2018</a:t>
             </a:fld>
             <a:endParaRPr lang="en-US"/>
@@ -2251,6 +2273,7 @@
           <a:p>
             <a:fld id="{601D984E-0F10-412C-83D9-F15F00CCD525}" type="slidenum">
               <a:rPr lang="en-US" smtClean="0"/>
+              <a:pPr/>
               <a:t>‹N°›</a:t>
             </a:fld>
             <a:endParaRPr lang="en-US"/>
@@ -2457,6 +2480,7 @@
           <a:p>
             <a:fld id="{6C1C027B-0ECD-4FE3-9E02-94F1C13E4210}" type="datetimeFigureOut">
               <a:rPr lang="en-US" smtClean="0"/>
+              <a:pPr/>
               <a:t>2/24/2018</a:t>
             </a:fld>
             <a:endParaRPr lang="en-US"/>
@@ -2499,6 +2523,7 @@
           <a:p>
             <a:fld id="{601D984E-0F10-412C-83D9-F15F00CCD525}" type="slidenum">
               <a:rPr lang="en-US" smtClean="0"/>
+              <a:pPr/>
               <a:t>‹N°›</a:t>
             </a:fld>
             <a:endParaRPr lang="en-US"/>
@@ -2665,6 +2690,7 @@
           <a:p>
             <a:fld id="{6C1C027B-0ECD-4FE3-9E02-94F1C13E4210}" type="datetimeFigureOut">
               <a:rPr lang="en-US" smtClean="0"/>
+              <a:pPr/>
               <a:t>2/24/2018</a:t>
             </a:fld>
             <a:endParaRPr lang="en-US"/>
@@ -2743,6 +2769,7 @@
           <a:p>
             <a:fld id="{601D984E-0F10-412C-83D9-F15F00CCD525}" type="slidenum">
               <a:rPr lang="en-US" smtClean="0"/>
+              <a:pPr/>
               <a:t>‹N°›</a:t>
             </a:fld>
             <a:endParaRPr lang="en-US"/>
@@ -4255,6 +4282,2973 @@
           </a:prstGeom>
         </p:spPr>
       </p:pic>
+    </p:spTree>
+  </p:cSld>
+  <p:clrMapOvr>
+    <a:masterClrMapping/>
+  </p:clrMapOvr>
+</p:sld>
+</file>
+
+<file path=ppt/slides/slide2.xml><?xml version="1.0" encoding="utf-8"?>
+<p:sld xmlns:a="http://schemas.openxmlformats.org/drawingml/2006/main" xmlns:r="http://schemas.openxmlformats.org/officeDocument/2006/relationships" xmlns:p="http://schemas.openxmlformats.org/presentationml/2006/main">
+  <p:cSld>
+    <p:spTree>
+      <p:nvGrpSpPr>
+        <p:cNvPr id="1" name=""/>
+        <p:cNvGrpSpPr/>
+        <p:nvPr/>
+      </p:nvGrpSpPr>
+      <p:grpSpPr>
+        <a:xfrm>
+          <a:off x="0" y="0"/>
+          <a:ext cx="0" cy="0"/>
+          <a:chOff x="0" y="0"/>
+          <a:chExt cx="0" cy="0"/>
+        </a:xfrm>
+      </p:grpSpPr>
+      <p:sp>
+        <p:nvSpPr>
+          <p:cNvPr id="37" name="Rectangle 36"/>
+          <p:cNvSpPr/>
+          <p:nvPr/>
+        </p:nvSpPr>
+        <p:spPr>
+          <a:xfrm>
+            <a:off x="5105400" y="4114800"/>
+            <a:ext cx="1828800" cy="1828800"/>
+          </a:xfrm>
+          <a:prstGeom prst="rect">
+            <a:avLst/>
+          </a:prstGeom>
+          <a:solidFill>
+            <a:schemeClr val="bg1">
+              <a:lumMod val="85000"/>
+            </a:schemeClr>
+          </a:solidFill>
+          <a:ln>
+            <a:solidFill>
+              <a:schemeClr val="bg1">
+                <a:lumMod val="50000"/>
+              </a:schemeClr>
+            </a:solidFill>
+          </a:ln>
+        </p:spPr>
+        <p:style>
+          <a:lnRef idx="2">
+            <a:schemeClr val="accent1">
+              <a:shade val="50000"/>
+            </a:schemeClr>
+          </a:lnRef>
+          <a:fillRef idx="1">
+            <a:schemeClr val="accent1"/>
+          </a:fillRef>
+          <a:effectRef idx="0">
+            <a:schemeClr val="accent1"/>
+          </a:effectRef>
+          <a:fontRef idx="minor">
+            <a:schemeClr val="lt1"/>
+          </a:fontRef>
+        </p:style>
+        <p:txBody>
+          <a:bodyPr rtlCol="0" anchor="ctr"/>
+          <a:lstStyle/>
+          <a:p>
+            <a:pPr algn="ctr"/>
+            <a:endParaRPr lang="en-US"/>
+          </a:p>
+        </p:txBody>
+      </p:sp>
+      <p:sp>
+        <p:nvSpPr>
+          <p:cNvPr id="36" name="Rectangle 35"/>
+          <p:cNvSpPr/>
+          <p:nvPr/>
+        </p:nvSpPr>
+        <p:spPr>
+          <a:xfrm>
+            <a:off x="7162800" y="228600"/>
+            <a:ext cx="1828800" cy="1828800"/>
+          </a:xfrm>
+          <a:prstGeom prst="rect">
+            <a:avLst/>
+          </a:prstGeom>
+          <a:solidFill>
+            <a:schemeClr val="bg1"/>
+          </a:solidFill>
+          <a:ln>
+            <a:solidFill>
+              <a:schemeClr val="tx1"/>
+            </a:solidFill>
+          </a:ln>
+        </p:spPr>
+        <p:style>
+          <a:lnRef idx="2">
+            <a:schemeClr val="accent1">
+              <a:shade val="50000"/>
+            </a:schemeClr>
+          </a:lnRef>
+          <a:fillRef idx="1">
+            <a:schemeClr val="accent1"/>
+          </a:fillRef>
+          <a:effectRef idx="0">
+            <a:schemeClr val="accent1"/>
+          </a:effectRef>
+          <a:fontRef idx="minor">
+            <a:schemeClr val="lt1"/>
+          </a:fontRef>
+        </p:style>
+        <p:txBody>
+          <a:bodyPr rtlCol="0" anchor="ctr"/>
+          <a:lstStyle/>
+          <a:p>
+            <a:pPr algn="ctr"/>
+            <a:endParaRPr lang="en-US"/>
+          </a:p>
+        </p:txBody>
+      </p:sp>
+      <p:sp>
+        <p:nvSpPr>
+          <p:cNvPr id="35" name="Rectangle 34"/>
+          <p:cNvSpPr/>
+          <p:nvPr/>
+        </p:nvSpPr>
+        <p:spPr>
+          <a:xfrm>
+            <a:off x="4648200" y="152400"/>
+            <a:ext cx="1752600" cy="1600200"/>
+          </a:xfrm>
+          <a:prstGeom prst="rect">
+            <a:avLst/>
+          </a:prstGeom>
+          <a:solidFill>
+            <a:schemeClr val="accent2">
+              <a:lumMod val="40000"/>
+              <a:lumOff val="60000"/>
+            </a:schemeClr>
+          </a:solidFill>
+        </p:spPr>
+        <p:style>
+          <a:lnRef idx="2">
+            <a:schemeClr val="accent2">
+              <a:shade val="50000"/>
+            </a:schemeClr>
+          </a:lnRef>
+          <a:fillRef idx="1">
+            <a:schemeClr val="accent2"/>
+          </a:fillRef>
+          <a:effectRef idx="0">
+            <a:schemeClr val="accent2"/>
+          </a:effectRef>
+          <a:fontRef idx="minor">
+            <a:schemeClr val="lt1"/>
+          </a:fontRef>
+        </p:style>
+        <p:txBody>
+          <a:bodyPr rtlCol="0" anchor="ctr"/>
+          <a:lstStyle/>
+          <a:p>
+            <a:pPr algn="ctr"/>
+            <a:endParaRPr lang="en-US"/>
+          </a:p>
+        </p:txBody>
+      </p:sp>
+      <p:sp>
+        <p:nvSpPr>
+          <p:cNvPr id="34" name="Rectangle 33"/>
+          <p:cNvSpPr/>
+          <p:nvPr/>
+        </p:nvSpPr>
+        <p:spPr>
+          <a:xfrm>
+            <a:off x="838200" y="1066800"/>
+            <a:ext cx="3581400" cy="3810000"/>
+          </a:xfrm>
+          <a:prstGeom prst="rect">
+            <a:avLst/>
+          </a:prstGeom>
+        </p:spPr>
+        <p:style>
+          <a:lnRef idx="2">
+            <a:schemeClr val="accent1">
+              <a:shade val="50000"/>
+            </a:schemeClr>
+          </a:lnRef>
+          <a:fillRef idx="1">
+            <a:schemeClr val="accent1"/>
+          </a:fillRef>
+          <a:effectRef idx="0">
+            <a:schemeClr val="accent1"/>
+          </a:effectRef>
+          <a:fontRef idx="minor">
+            <a:schemeClr val="lt1"/>
+          </a:fontRef>
+        </p:style>
+        <p:txBody>
+          <a:bodyPr rtlCol="0" anchor="ctr"/>
+          <a:lstStyle/>
+          <a:p>
+            <a:pPr algn="ctr"/>
+            <a:endParaRPr lang="en-US"/>
+          </a:p>
+        </p:txBody>
+      </p:sp>
+      <p:pic>
+        <p:nvPicPr>
+          <p:cNvPr id="11266" name="Picture 2" descr="Resultado de imagen de rstudio"/>
+          <p:cNvPicPr>
+            <a:picLocks noChangeAspect="1" noChangeArrowheads="1"/>
+          </p:cNvPicPr>
+          <p:nvPr/>
+        </p:nvPicPr>
+        <p:blipFill>
+          <a:blip r:embed="rId2"/>
+          <a:srcRect/>
+          <a:stretch>
+            <a:fillRect/>
+          </a:stretch>
+        </p:blipFill>
+        <p:spPr bwMode="auto">
+          <a:xfrm>
+            <a:off x="1143000" y="2209800"/>
+            <a:ext cx="3076575" cy="2562656"/>
+          </a:xfrm>
+          <a:prstGeom prst="rect">
+            <a:avLst/>
+          </a:prstGeom>
+          <a:noFill/>
+        </p:spPr>
+      </p:pic>
+      <p:pic>
+        <p:nvPicPr>
+          <p:cNvPr id="11268" name="Picture 4" descr="Resultado de imagen de rstudio"/>
+          <p:cNvPicPr>
+            <a:picLocks noChangeAspect="1" noChangeArrowheads="1"/>
+          </p:cNvPicPr>
+          <p:nvPr/>
+        </p:nvPicPr>
+        <p:blipFill>
+          <a:blip r:embed="rId3"/>
+          <a:srcRect/>
+          <a:stretch>
+            <a:fillRect/>
+          </a:stretch>
+        </p:blipFill>
+        <p:spPr bwMode="auto">
+          <a:xfrm>
+            <a:off x="1219200" y="1295400"/>
+            <a:ext cx="923926" cy="923926"/>
+          </a:xfrm>
+          <a:prstGeom prst="rect">
+            <a:avLst/>
+          </a:prstGeom>
+          <a:noFill/>
+        </p:spPr>
+      </p:pic>
+      <p:pic>
+        <p:nvPicPr>
+          <p:cNvPr id="11270" name="Picture 6" descr="Resultado de imagen de git"/>
+          <p:cNvPicPr>
+            <a:picLocks noChangeAspect="1" noChangeArrowheads="1"/>
+          </p:cNvPicPr>
+          <p:nvPr/>
+        </p:nvPicPr>
+        <p:blipFill>
+          <a:blip r:embed="rId4" cstate="print"/>
+          <a:srcRect/>
+          <a:stretch>
+            <a:fillRect/>
+          </a:stretch>
+        </p:blipFill>
+        <p:spPr bwMode="auto">
+          <a:xfrm>
+            <a:off x="5029200" y="457200"/>
+            <a:ext cx="1076325" cy="1076325"/>
+          </a:xfrm>
+          <a:prstGeom prst="rect">
+            <a:avLst/>
+          </a:prstGeom>
+          <a:noFill/>
+        </p:spPr>
+      </p:pic>
+      <p:sp>
+        <p:nvSpPr>
+          <p:cNvPr id="11274" name="AutoShape 10" descr="Resultado de imagen de history symbol"/>
+          <p:cNvSpPr>
+            <a:spLocks noChangeAspect="1" noChangeArrowheads="1"/>
+          </p:cNvSpPr>
+          <p:nvPr/>
+        </p:nvSpPr>
+        <p:spPr bwMode="auto">
+          <a:xfrm>
+            <a:off x="155575" y="-144463"/>
+            <a:ext cx="304800" cy="304801"/>
+          </a:xfrm>
+          <a:prstGeom prst="rect">
+            <a:avLst/>
+          </a:prstGeom>
+          <a:noFill/>
+        </p:spPr>
+        <p:txBody>
+          <a:bodyPr vert="horz" wrap="square" lIns="91440" tIns="45720" rIns="91440" bIns="45720" numCol="1" anchor="t" anchorCtr="0" compatLnSpc="1">
+            <a:prstTxWarp prst="textNoShape">
+              <a:avLst/>
+            </a:prstTxWarp>
+          </a:bodyPr>
+          <a:lstStyle/>
+          <a:p>
+            <a:endParaRPr lang="en-US"/>
+          </a:p>
+        </p:txBody>
+      </p:sp>
+      <p:sp>
+        <p:nvSpPr>
+          <p:cNvPr id="11276" name="AutoShape 12" descr="Resultado de imagen de history symbol"/>
+          <p:cNvSpPr>
+            <a:spLocks noChangeAspect="1" noChangeArrowheads="1"/>
+          </p:cNvSpPr>
+          <p:nvPr/>
+        </p:nvSpPr>
+        <p:spPr bwMode="auto">
+          <a:xfrm>
+            <a:off x="155575" y="-144463"/>
+            <a:ext cx="304800" cy="304801"/>
+          </a:xfrm>
+          <a:prstGeom prst="rect">
+            <a:avLst/>
+          </a:prstGeom>
+          <a:noFill/>
+        </p:spPr>
+        <p:txBody>
+          <a:bodyPr vert="horz" wrap="square" lIns="91440" tIns="45720" rIns="91440" bIns="45720" numCol="1" anchor="t" anchorCtr="0" compatLnSpc="1">
+            <a:prstTxWarp prst="textNoShape">
+              <a:avLst/>
+            </a:prstTxWarp>
+          </a:bodyPr>
+          <a:lstStyle/>
+          <a:p>
+            <a:endParaRPr lang="en-US"/>
+          </a:p>
+        </p:txBody>
+      </p:sp>
+      <p:sp>
+        <p:nvSpPr>
+          <p:cNvPr id="11278" name="AutoShape 14" descr="Resultado de imagen de history symbol"/>
+          <p:cNvSpPr>
+            <a:spLocks noChangeAspect="1" noChangeArrowheads="1"/>
+          </p:cNvSpPr>
+          <p:nvPr/>
+        </p:nvSpPr>
+        <p:spPr bwMode="auto">
+          <a:xfrm>
+            <a:off x="155575" y="-144463"/>
+            <a:ext cx="304800" cy="304801"/>
+          </a:xfrm>
+          <a:prstGeom prst="rect">
+            <a:avLst/>
+          </a:prstGeom>
+          <a:noFill/>
+        </p:spPr>
+        <p:txBody>
+          <a:bodyPr vert="horz" wrap="square" lIns="91440" tIns="45720" rIns="91440" bIns="45720" numCol="1" anchor="t" anchorCtr="0" compatLnSpc="1">
+            <a:prstTxWarp prst="textNoShape">
+              <a:avLst/>
+            </a:prstTxWarp>
+          </a:bodyPr>
+          <a:lstStyle/>
+          <a:p>
+            <a:endParaRPr lang="en-US"/>
+          </a:p>
+        </p:txBody>
+      </p:sp>
+      <p:sp>
+        <p:nvSpPr>
+          <p:cNvPr id="11280" name="AutoShape 16" descr="Resultado de imagen de history symbol"/>
+          <p:cNvSpPr>
+            <a:spLocks noChangeAspect="1" noChangeArrowheads="1"/>
+          </p:cNvSpPr>
+          <p:nvPr/>
+        </p:nvSpPr>
+        <p:spPr bwMode="auto">
+          <a:xfrm>
+            <a:off x="155575" y="-144463"/>
+            <a:ext cx="304800" cy="304801"/>
+          </a:xfrm>
+          <a:prstGeom prst="rect">
+            <a:avLst/>
+          </a:prstGeom>
+          <a:noFill/>
+        </p:spPr>
+        <p:txBody>
+          <a:bodyPr vert="horz" wrap="square" lIns="91440" tIns="45720" rIns="91440" bIns="45720" numCol="1" anchor="t" anchorCtr="0" compatLnSpc="1">
+            <a:prstTxWarp prst="textNoShape">
+              <a:avLst/>
+            </a:prstTxWarp>
+          </a:bodyPr>
+          <a:lstStyle/>
+          <a:p>
+            <a:endParaRPr lang="en-US"/>
+          </a:p>
+        </p:txBody>
+      </p:sp>
+      <p:sp>
+        <p:nvSpPr>
+          <p:cNvPr id="11282" name="AutoShape 18" descr="Resultado de imagen de history symbol"/>
+          <p:cNvSpPr>
+            <a:spLocks noChangeAspect="1" noChangeArrowheads="1"/>
+          </p:cNvSpPr>
+          <p:nvPr/>
+        </p:nvSpPr>
+        <p:spPr bwMode="auto">
+          <a:xfrm>
+            <a:off x="155575" y="-1684338"/>
+            <a:ext cx="3514725" cy="3514726"/>
+          </a:xfrm>
+          <a:prstGeom prst="rect">
+            <a:avLst/>
+          </a:prstGeom>
+          <a:noFill/>
+        </p:spPr>
+        <p:txBody>
+          <a:bodyPr vert="horz" wrap="square" lIns="91440" tIns="45720" rIns="91440" bIns="45720" numCol="1" anchor="t" anchorCtr="0" compatLnSpc="1">
+            <a:prstTxWarp prst="textNoShape">
+              <a:avLst/>
+            </a:prstTxWarp>
+          </a:bodyPr>
+          <a:lstStyle/>
+          <a:p>
+            <a:endParaRPr lang="en-US"/>
+          </a:p>
+        </p:txBody>
+      </p:sp>
+      <p:sp>
+        <p:nvSpPr>
+          <p:cNvPr id="11284" name="AutoShape 20" descr="Resultado de imagen de history symbol"/>
+          <p:cNvSpPr>
+            <a:spLocks noChangeAspect="1" noChangeArrowheads="1"/>
+          </p:cNvSpPr>
+          <p:nvPr/>
+        </p:nvSpPr>
+        <p:spPr bwMode="auto">
+          <a:xfrm>
+            <a:off x="155575" y="-1684338"/>
+            <a:ext cx="3514725" cy="3514726"/>
+          </a:xfrm>
+          <a:prstGeom prst="rect">
+            <a:avLst/>
+          </a:prstGeom>
+          <a:noFill/>
+        </p:spPr>
+        <p:txBody>
+          <a:bodyPr vert="horz" wrap="square" lIns="91440" tIns="45720" rIns="91440" bIns="45720" numCol="1" anchor="t" anchorCtr="0" compatLnSpc="1">
+            <a:prstTxWarp prst="textNoShape">
+              <a:avLst/>
+            </a:prstTxWarp>
+          </a:bodyPr>
+          <a:lstStyle/>
+          <a:p>
+            <a:endParaRPr lang="en-US"/>
+          </a:p>
+        </p:txBody>
+      </p:sp>
+      <p:sp>
+        <p:nvSpPr>
+          <p:cNvPr id="11286" name="AutoShape 22" descr="Resultado de imagen de github logo"/>
+          <p:cNvSpPr>
+            <a:spLocks noChangeAspect="1" noChangeArrowheads="1"/>
+          </p:cNvSpPr>
+          <p:nvPr/>
+        </p:nvSpPr>
+        <p:spPr bwMode="auto">
+          <a:xfrm>
+            <a:off x="155575" y="-144463"/>
+            <a:ext cx="304800" cy="304801"/>
+          </a:xfrm>
+          <a:prstGeom prst="rect">
+            <a:avLst/>
+          </a:prstGeom>
+          <a:noFill/>
+        </p:spPr>
+        <p:txBody>
+          <a:bodyPr vert="horz" wrap="square" lIns="91440" tIns="45720" rIns="91440" bIns="45720" numCol="1" anchor="t" anchorCtr="0" compatLnSpc="1">
+            <a:prstTxWarp prst="textNoShape">
+              <a:avLst/>
+            </a:prstTxWarp>
+          </a:bodyPr>
+          <a:lstStyle/>
+          <a:p>
+            <a:endParaRPr lang="en-US"/>
+          </a:p>
+        </p:txBody>
+      </p:sp>
+      <p:sp>
+        <p:nvSpPr>
+          <p:cNvPr id="11290" name="AutoShape 26" descr="Resultado de imagen de github logo png"/>
+          <p:cNvSpPr>
+            <a:spLocks noChangeAspect="1" noChangeArrowheads="1"/>
+          </p:cNvSpPr>
+          <p:nvPr/>
+        </p:nvSpPr>
+        <p:spPr bwMode="auto">
+          <a:xfrm>
+            <a:off x="155575" y="-144463"/>
+            <a:ext cx="304800" cy="304801"/>
+          </a:xfrm>
+          <a:prstGeom prst="rect">
+            <a:avLst/>
+          </a:prstGeom>
+          <a:noFill/>
+        </p:spPr>
+        <p:txBody>
+          <a:bodyPr vert="horz" wrap="square" lIns="91440" tIns="45720" rIns="91440" bIns="45720" numCol="1" anchor="t" anchorCtr="0" compatLnSpc="1">
+            <a:prstTxWarp prst="textNoShape">
+              <a:avLst/>
+            </a:prstTxWarp>
+          </a:bodyPr>
+          <a:lstStyle/>
+          <a:p>
+            <a:endParaRPr lang="en-US"/>
+          </a:p>
+        </p:txBody>
+      </p:sp>
+      <p:pic>
+        <p:nvPicPr>
+          <p:cNvPr id="11292" name="Picture 28" descr="Resultado de imagen de github logo png"/>
+          <p:cNvPicPr>
+            <a:picLocks noChangeAspect="1" noChangeArrowheads="1"/>
+          </p:cNvPicPr>
+          <p:nvPr/>
+        </p:nvPicPr>
+        <p:blipFill>
+          <a:blip r:embed="rId5"/>
+          <a:srcRect/>
+          <a:stretch>
+            <a:fillRect/>
+          </a:stretch>
+        </p:blipFill>
+        <p:spPr bwMode="auto">
+          <a:xfrm>
+            <a:off x="6172200" y="304800"/>
+            <a:ext cx="4133851" cy="2066926"/>
+          </a:xfrm>
+          <a:prstGeom prst="rect">
+            <a:avLst/>
+          </a:prstGeom>
+          <a:noFill/>
+        </p:spPr>
+      </p:pic>
+      <p:sp>
+        <p:nvSpPr>
+          <p:cNvPr id="11294" name="AutoShape 30" descr="Resultado de imagen de r logo software"/>
+          <p:cNvSpPr>
+            <a:spLocks noChangeAspect="1" noChangeArrowheads="1"/>
+          </p:cNvSpPr>
+          <p:nvPr/>
+        </p:nvSpPr>
+        <p:spPr bwMode="auto">
+          <a:xfrm>
+            <a:off x="155575" y="-144463"/>
+            <a:ext cx="304800" cy="304801"/>
+          </a:xfrm>
+          <a:prstGeom prst="rect">
+            <a:avLst/>
+          </a:prstGeom>
+          <a:noFill/>
+        </p:spPr>
+        <p:txBody>
+          <a:bodyPr vert="horz" wrap="square" lIns="91440" tIns="45720" rIns="91440" bIns="45720" numCol="1" anchor="t" anchorCtr="0" compatLnSpc="1">
+            <a:prstTxWarp prst="textNoShape">
+              <a:avLst/>
+            </a:prstTxWarp>
+          </a:bodyPr>
+          <a:lstStyle/>
+          <a:p>
+            <a:endParaRPr lang="en-US"/>
+          </a:p>
+        </p:txBody>
+      </p:sp>
+      <p:pic>
+        <p:nvPicPr>
+          <p:cNvPr id="11296" name="Picture 32" descr="Resultado de imagen de r logo software"/>
+          <p:cNvPicPr>
+            <a:picLocks noChangeAspect="1" noChangeArrowheads="1"/>
+          </p:cNvPicPr>
+          <p:nvPr/>
+        </p:nvPicPr>
+        <p:blipFill>
+          <a:blip r:embed="rId6"/>
+          <a:srcRect/>
+          <a:stretch>
+            <a:fillRect/>
+          </a:stretch>
+        </p:blipFill>
+        <p:spPr bwMode="auto">
+          <a:xfrm>
+            <a:off x="5334000" y="4724400"/>
+            <a:ext cx="1542219" cy="1171575"/>
+          </a:xfrm>
+          <a:prstGeom prst="rect">
+            <a:avLst/>
+          </a:prstGeom>
+          <a:noFill/>
+        </p:spPr>
+      </p:pic>
+      <p:sp>
+        <p:nvSpPr>
+          <p:cNvPr id="11298" name="AutoShape 34" descr="Resultado de imagen de female technologist black emoji"/>
+          <p:cNvSpPr>
+            <a:spLocks noChangeAspect="1" noChangeArrowheads="1"/>
+          </p:cNvSpPr>
+          <p:nvPr/>
+        </p:nvSpPr>
+        <p:spPr bwMode="auto">
+          <a:xfrm>
+            <a:off x="155575" y="-144463"/>
+            <a:ext cx="304800" cy="304801"/>
+          </a:xfrm>
+          <a:prstGeom prst="rect">
+            <a:avLst/>
+          </a:prstGeom>
+          <a:noFill/>
+        </p:spPr>
+        <p:txBody>
+          <a:bodyPr vert="horz" wrap="square" lIns="91440" tIns="45720" rIns="91440" bIns="45720" numCol="1" anchor="t" anchorCtr="0" compatLnSpc="1">
+            <a:prstTxWarp prst="textNoShape">
+              <a:avLst/>
+            </a:prstTxWarp>
+          </a:bodyPr>
+          <a:lstStyle/>
+          <a:p>
+            <a:endParaRPr lang="en-US"/>
+          </a:p>
+        </p:txBody>
+      </p:sp>
+      <p:sp>
+        <p:nvSpPr>
+          <p:cNvPr id="11300" name="AutoShape 36" descr="Resultado de imagen de female technologist black emoji"/>
+          <p:cNvSpPr>
+            <a:spLocks noChangeAspect="1" noChangeArrowheads="1"/>
+          </p:cNvSpPr>
+          <p:nvPr/>
+        </p:nvSpPr>
+        <p:spPr bwMode="auto">
+          <a:xfrm>
+            <a:off x="155575" y="-731838"/>
+            <a:ext cx="1524000" cy="1524001"/>
+          </a:xfrm>
+          <a:prstGeom prst="rect">
+            <a:avLst/>
+          </a:prstGeom>
+          <a:noFill/>
+        </p:spPr>
+        <p:txBody>
+          <a:bodyPr vert="horz" wrap="square" lIns="91440" tIns="45720" rIns="91440" bIns="45720" numCol="1" anchor="t" anchorCtr="0" compatLnSpc="1">
+            <a:prstTxWarp prst="textNoShape">
+              <a:avLst/>
+            </a:prstTxWarp>
+          </a:bodyPr>
+          <a:lstStyle/>
+          <a:p>
+            <a:endParaRPr lang="en-US"/>
+          </a:p>
+        </p:txBody>
+      </p:sp>
+      <p:pic>
+        <p:nvPicPr>
+          <p:cNvPr id="23" name="Picture 38" descr="Imagen relacionada"/>
+          <p:cNvPicPr>
+            <a:picLocks noChangeAspect="1" noChangeArrowheads="1"/>
+          </p:cNvPicPr>
+          <p:nvPr/>
+        </p:nvPicPr>
+        <p:blipFill>
+          <a:blip r:embed="rId7"/>
+          <a:srcRect/>
+          <a:stretch>
+            <a:fillRect/>
+          </a:stretch>
+        </p:blipFill>
+        <p:spPr bwMode="auto">
+          <a:xfrm>
+            <a:off x="533400" y="4953000"/>
+            <a:ext cx="1600200" cy="1600200"/>
+          </a:xfrm>
+          <a:prstGeom prst="rect">
+            <a:avLst/>
+          </a:prstGeom>
+          <a:noFill/>
+        </p:spPr>
+      </p:pic>
+      <p:sp>
+        <p:nvSpPr>
+          <p:cNvPr id="11304" name="AutoShape 40" descr="Resultado de imagen de male technologist emoji"/>
+          <p:cNvSpPr>
+            <a:spLocks noChangeAspect="1" noChangeArrowheads="1"/>
+          </p:cNvSpPr>
+          <p:nvPr/>
+        </p:nvSpPr>
+        <p:spPr bwMode="auto">
+          <a:xfrm>
+            <a:off x="155575" y="-144463"/>
+            <a:ext cx="304800" cy="304801"/>
+          </a:xfrm>
+          <a:prstGeom prst="rect">
+            <a:avLst/>
+          </a:prstGeom>
+          <a:noFill/>
+        </p:spPr>
+        <p:txBody>
+          <a:bodyPr vert="horz" wrap="square" lIns="91440" tIns="45720" rIns="91440" bIns="45720" numCol="1" anchor="t" anchorCtr="0" compatLnSpc="1">
+            <a:prstTxWarp prst="textNoShape">
+              <a:avLst/>
+            </a:prstTxWarp>
+          </a:bodyPr>
+          <a:lstStyle/>
+          <a:p>
+            <a:endParaRPr lang="en-US"/>
+          </a:p>
+        </p:txBody>
+      </p:sp>
+      <p:sp>
+        <p:nvSpPr>
+          <p:cNvPr id="11306" name="AutoShape 42" descr="Resultado de imagen de male technologist emoji"/>
+          <p:cNvSpPr>
+            <a:spLocks noChangeAspect="1" noChangeArrowheads="1"/>
+          </p:cNvSpPr>
+          <p:nvPr/>
+        </p:nvSpPr>
+        <p:spPr bwMode="auto">
+          <a:xfrm>
+            <a:off x="155575" y="-144463"/>
+            <a:ext cx="304800" cy="304801"/>
+          </a:xfrm>
+          <a:prstGeom prst="rect">
+            <a:avLst/>
+          </a:prstGeom>
+          <a:noFill/>
+        </p:spPr>
+        <p:txBody>
+          <a:bodyPr vert="horz" wrap="square" lIns="91440" tIns="45720" rIns="91440" bIns="45720" numCol="1" anchor="t" anchorCtr="0" compatLnSpc="1">
+            <a:prstTxWarp prst="textNoShape">
+              <a:avLst/>
+            </a:prstTxWarp>
+          </a:bodyPr>
+          <a:lstStyle/>
+          <a:p>
+            <a:endParaRPr lang="en-US"/>
+          </a:p>
+        </p:txBody>
+      </p:sp>
+      <p:sp>
+        <p:nvSpPr>
+          <p:cNvPr id="27" name="ZoneTexte 26"/>
+          <p:cNvSpPr txBox="1"/>
+          <p:nvPr/>
+        </p:nvSpPr>
+        <p:spPr>
+          <a:xfrm flipH="1">
+            <a:off x="457200" y="4953000"/>
+            <a:ext cx="2087881" cy="369332"/>
+          </a:xfrm>
+          <a:prstGeom prst="rect">
+            <a:avLst/>
+          </a:prstGeom>
+          <a:noFill/>
+        </p:spPr>
+        <p:txBody>
+          <a:bodyPr wrap="square" rtlCol="0">
+            <a:spAutoFit/>
+          </a:bodyPr>
+          <a:lstStyle/>
+          <a:p>
+            <a:r>
+              <a:rPr lang="es-ES" dirty="0" smtClean="0"/>
+              <a:t>YOU</a:t>
+            </a:r>
+            <a:endParaRPr lang="en-US" dirty="0"/>
+          </a:p>
+        </p:txBody>
+      </p:sp>
+      <p:sp>
+        <p:nvSpPr>
+          <p:cNvPr id="28" name="ZoneTexte 27"/>
+          <p:cNvSpPr txBox="1"/>
+          <p:nvPr/>
+        </p:nvSpPr>
+        <p:spPr>
+          <a:xfrm flipH="1">
+            <a:off x="5486400" y="4267200"/>
+            <a:ext cx="2087881" cy="369332"/>
+          </a:xfrm>
+          <a:prstGeom prst="rect">
+            <a:avLst/>
+          </a:prstGeom>
+          <a:noFill/>
+        </p:spPr>
+        <p:txBody>
+          <a:bodyPr wrap="square" rtlCol="0">
+            <a:spAutoFit/>
+          </a:bodyPr>
+          <a:lstStyle/>
+          <a:p>
+            <a:r>
+              <a:rPr lang="es-ES" dirty="0" smtClean="0"/>
+              <a:t>CRAN</a:t>
+            </a:r>
+            <a:endParaRPr lang="en-US" dirty="0"/>
+          </a:p>
+        </p:txBody>
+      </p:sp>
+      <p:sp>
+        <p:nvSpPr>
+          <p:cNvPr id="29" name="ZoneTexte 28"/>
+          <p:cNvSpPr txBox="1"/>
+          <p:nvPr/>
+        </p:nvSpPr>
+        <p:spPr>
+          <a:xfrm flipH="1">
+            <a:off x="7239000" y="4572000"/>
+            <a:ext cx="2087881" cy="369332"/>
+          </a:xfrm>
+          <a:prstGeom prst="rect">
+            <a:avLst/>
+          </a:prstGeom>
+          <a:noFill/>
+        </p:spPr>
+        <p:txBody>
+          <a:bodyPr wrap="square" rtlCol="0">
+            <a:spAutoFit/>
+          </a:bodyPr>
+          <a:lstStyle/>
+          <a:p>
+            <a:r>
+              <a:rPr lang="es-ES" dirty="0" smtClean="0"/>
+              <a:t>USER</a:t>
+            </a:r>
+            <a:endParaRPr lang="en-US" dirty="0"/>
+          </a:p>
+        </p:txBody>
+      </p:sp>
+      <p:sp>
+        <p:nvSpPr>
+          <p:cNvPr id="30" name="ZoneTexte 29"/>
+          <p:cNvSpPr txBox="1"/>
+          <p:nvPr/>
+        </p:nvSpPr>
+        <p:spPr>
+          <a:xfrm flipH="1">
+            <a:off x="6705600" y="2133600"/>
+            <a:ext cx="2087881" cy="369332"/>
+          </a:xfrm>
+          <a:prstGeom prst="rect">
+            <a:avLst/>
+          </a:prstGeom>
+          <a:noFill/>
+        </p:spPr>
+        <p:txBody>
+          <a:bodyPr wrap="square" rtlCol="0">
+            <a:spAutoFit/>
+          </a:bodyPr>
+          <a:lstStyle/>
+          <a:p>
+            <a:r>
+              <a:rPr lang="es-ES" dirty="0" smtClean="0"/>
+              <a:t>OTHER DEVELOPPER</a:t>
+            </a:r>
+            <a:endParaRPr lang="en-US" dirty="0"/>
+          </a:p>
+        </p:txBody>
+      </p:sp>
+      <p:sp>
+        <p:nvSpPr>
+          <p:cNvPr id="31" name="ZoneTexte 30"/>
+          <p:cNvSpPr txBox="1"/>
+          <p:nvPr/>
+        </p:nvSpPr>
+        <p:spPr>
+          <a:xfrm flipH="1">
+            <a:off x="7543800" y="381000"/>
+            <a:ext cx="2087881" cy="369332"/>
+          </a:xfrm>
+          <a:prstGeom prst="rect">
+            <a:avLst/>
+          </a:prstGeom>
+          <a:noFill/>
+        </p:spPr>
+        <p:txBody>
+          <a:bodyPr wrap="square" rtlCol="0">
+            <a:spAutoFit/>
+          </a:bodyPr>
+          <a:lstStyle/>
+          <a:p>
+            <a:r>
+              <a:rPr lang="es-ES" dirty="0" smtClean="0"/>
+              <a:t>GITHUB</a:t>
+            </a:r>
+            <a:endParaRPr lang="en-US" dirty="0"/>
+          </a:p>
+        </p:txBody>
+      </p:sp>
+      <p:sp>
+        <p:nvSpPr>
+          <p:cNvPr id="32" name="ZoneTexte 31"/>
+          <p:cNvSpPr txBox="1"/>
+          <p:nvPr/>
+        </p:nvSpPr>
+        <p:spPr>
+          <a:xfrm flipH="1">
+            <a:off x="4724400" y="381000"/>
+            <a:ext cx="2087881" cy="369332"/>
+          </a:xfrm>
+          <a:prstGeom prst="rect">
+            <a:avLst/>
+          </a:prstGeom>
+          <a:noFill/>
+        </p:spPr>
+        <p:txBody>
+          <a:bodyPr wrap="square" rtlCol="0">
+            <a:spAutoFit/>
+          </a:bodyPr>
+          <a:lstStyle/>
+          <a:p>
+            <a:r>
+              <a:rPr lang="es-ES" dirty="0" smtClean="0"/>
+              <a:t>GIT</a:t>
+            </a:r>
+            <a:endParaRPr lang="en-US" dirty="0"/>
+          </a:p>
+        </p:txBody>
+      </p:sp>
+      <p:sp>
+        <p:nvSpPr>
+          <p:cNvPr id="33" name="ZoneTexte 32"/>
+          <p:cNvSpPr txBox="1"/>
+          <p:nvPr/>
+        </p:nvSpPr>
+        <p:spPr>
+          <a:xfrm flipH="1">
+            <a:off x="2362200" y="1676400"/>
+            <a:ext cx="2087881" cy="369332"/>
+          </a:xfrm>
+          <a:prstGeom prst="rect">
+            <a:avLst/>
+          </a:prstGeom>
+          <a:noFill/>
+        </p:spPr>
+        <p:txBody>
+          <a:bodyPr wrap="square" rtlCol="0">
+            <a:spAutoFit/>
+          </a:bodyPr>
+          <a:lstStyle/>
+          <a:p>
+            <a:r>
+              <a:rPr lang="es-ES" dirty="0" smtClean="0"/>
+              <a:t>RSTUDIO</a:t>
+            </a:r>
+            <a:endParaRPr lang="en-US" dirty="0"/>
+          </a:p>
+        </p:txBody>
+      </p:sp>
+      <p:pic>
+        <p:nvPicPr>
+          <p:cNvPr id="38" name="Image 37" descr="R_logo2.png"/>
+          <p:cNvPicPr>
+            <a:picLocks noChangeAspect="1"/>
+          </p:cNvPicPr>
+          <p:nvPr/>
+        </p:nvPicPr>
+        <p:blipFill>
+          <a:blip r:embed="rId8" cstate="print"/>
+          <a:stretch>
+            <a:fillRect/>
+          </a:stretch>
+        </p:blipFill>
+        <p:spPr>
+          <a:xfrm>
+            <a:off x="304800" y="87630"/>
+            <a:ext cx="1066800" cy="826770"/>
+          </a:xfrm>
+          <a:prstGeom prst="rect">
+            <a:avLst/>
+          </a:prstGeom>
+        </p:spPr>
+      </p:pic>
+      <p:sp>
+        <p:nvSpPr>
+          <p:cNvPr id="39" name="ZoneTexte 38"/>
+          <p:cNvSpPr txBox="1"/>
+          <p:nvPr/>
+        </p:nvSpPr>
+        <p:spPr>
+          <a:xfrm flipH="1">
+            <a:off x="1371600" y="152400"/>
+            <a:ext cx="2087881" cy="369332"/>
+          </a:xfrm>
+          <a:prstGeom prst="rect">
+            <a:avLst/>
+          </a:prstGeom>
+          <a:noFill/>
+        </p:spPr>
+        <p:txBody>
+          <a:bodyPr wrap="square" rtlCol="0">
+            <a:spAutoFit/>
+          </a:bodyPr>
+          <a:lstStyle/>
+          <a:p>
+            <a:r>
+              <a:rPr lang="es-ES" dirty="0" smtClean="0"/>
+              <a:t>USETHIS</a:t>
+            </a:r>
+            <a:endParaRPr lang="en-US" dirty="0"/>
+          </a:p>
+        </p:txBody>
+      </p:sp>
+      <p:pic>
+        <p:nvPicPr>
+          <p:cNvPr id="11310" name="Picture 46" descr="Imagen relacionada"/>
+          <p:cNvPicPr>
+            <a:picLocks noChangeAspect="1" noChangeArrowheads="1"/>
+          </p:cNvPicPr>
+          <p:nvPr/>
+        </p:nvPicPr>
+        <p:blipFill>
+          <a:blip r:embed="rId9"/>
+          <a:srcRect/>
+          <a:stretch>
+            <a:fillRect/>
+          </a:stretch>
+        </p:blipFill>
+        <p:spPr bwMode="auto">
+          <a:xfrm>
+            <a:off x="4724400" y="914400"/>
+            <a:ext cx="792361" cy="838201"/>
+          </a:xfrm>
+          <a:prstGeom prst="rect">
+            <a:avLst/>
+          </a:prstGeom>
+          <a:noFill/>
+        </p:spPr>
+      </p:pic>
+      <p:sp>
+        <p:nvSpPr>
+          <p:cNvPr id="11312" name="AutoShape 48" descr="Resultado de imagen de female technologist emoji"/>
+          <p:cNvSpPr>
+            <a:spLocks noChangeAspect="1" noChangeArrowheads="1"/>
+          </p:cNvSpPr>
+          <p:nvPr/>
+        </p:nvSpPr>
+        <p:spPr bwMode="auto">
+          <a:xfrm>
+            <a:off x="155575" y="-144463"/>
+            <a:ext cx="304800" cy="304801"/>
+          </a:xfrm>
+          <a:prstGeom prst="rect">
+            <a:avLst/>
+          </a:prstGeom>
+          <a:noFill/>
+        </p:spPr>
+        <p:txBody>
+          <a:bodyPr vert="horz" wrap="square" lIns="91440" tIns="45720" rIns="91440" bIns="45720" numCol="1" anchor="t" anchorCtr="0" compatLnSpc="1">
+            <a:prstTxWarp prst="textNoShape">
+              <a:avLst/>
+            </a:prstTxWarp>
+          </a:bodyPr>
+          <a:lstStyle/>
+          <a:p>
+            <a:endParaRPr lang="en-US"/>
+          </a:p>
+        </p:txBody>
+      </p:sp>
+      <p:sp>
+        <p:nvSpPr>
+          <p:cNvPr id="11314" name="AutoShape 50" descr="Resultado de imagen de female technologist emoji"/>
+          <p:cNvSpPr>
+            <a:spLocks noChangeAspect="1" noChangeArrowheads="1"/>
+          </p:cNvSpPr>
+          <p:nvPr/>
+        </p:nvSpPr>
+        <p:spPr bwMode="auto">
+          <a:xfrm>
+            <a:off x="155575" y="-1684338"/>
+            <a:ext cx="3514725" cy="3514726"/>
+          </a:xfrm>
+          <a:prstGeom prst="rect">
+            <a:avLst/>
+          </a:prstGeom>
+          <a:noFill/>
+        </p:spPr>
+        <p:txBody>
+          <a:bodyPr vert="horz" wrap="square" lIns="91440" tIns="45720" rIns="91440" bIns="45720" numCol="1" anchor="t" anchorCtr="0" compatLnSpc="1">
+            <a:prstTxWarp prst="textNoShape">
+              <a:avLst/>
+            </a:prstTxWarp>
+          </a:bodyPr>
+          <a:lstStyle/>
+          <a:p>
+            <a:endParaRPr lang="en-US"/>
+          </a:p>
+        </p:txBody>
+      </p:sp>
+      <p:sp>
+        <p:nvSpPr>
+          <p:cNvPr id="11316" name="AutoShape 52" descr="Resultado de imagen de female technologist emoji"/>
+          <p:cNvSpPr>
+            <a:spLocks noChangeAspect="1" noChangeArrowheads="1"/>
+          </p:cNvSpPr>
+          <p:nvPr/>
+        </p:nvSpPr>
+        <p:spPr bwMode="auto">
+          <a:xfrm>
+            <a:off x="155575" y="-1684338"/>
+            <a:ext cx="3514725" cy="3514726"/>
+          </a:xfrm>
+          <a:prstGeom prst="rect">
+            <a:avLst/>
+          </a:prstGeom>
+          <a:noFill/>
+        </p:spPr>
+        <p:txBody>
+          <a:bodyPr vert="horz" wrap="square" lIns="91440" tIns="45720" rIns="91440" bIns="45720" numCol="1" anchor="t" anchorCtr="0" compatLnSpc="1">
+            <a:prstTxWarp prst="textNoShape">
+              <a:avLst/>
+            </a:prstTxWarp>
+          </a:bodyPr>
+          <a:lstStyle/>
+          <a:p>
+            <a:endParaRPr lang="en-US"/>
+          </a:p>
+        </p:txBody>
+      </p:sp>
+      <p:pic>
+        <p:nvPicPr>
+          <p:cNvPr id="44" name="Image 43" descr="tech2.png"/>
+          <p:cNvPicPr>
+            <a:picLocks noChangeAspect="1"/>
+          </p:cNvPicPr>
+          <p:nvPr/>
+        </p:nvPicPr>
+        <p:blipFill>
+          <a:blip r:embed="rId10"/>
+          <a:stretch>
+            <a:fillRect/>
+          </a:stretch>
+        </p:blipFill>
+        <p:spPr>
+          <a:xfrm>
+            <a:off x="7010400" y="2514600"/>
+            <a:ext cx="1452562" cy="1452562"/>
+          </a:xfrm>
+          <a:prstGeom prst="rect">
+            <a:avLst/>
+          </a:prstGeom>
+        </p:spPr>
+      </p:pic>
+      <p:sp>
+        <p:nvSpPr>
+          <p:cNvPr id="11318" name="AutoShape 54" descr="Resultado de imagen de man technologist emoji black"/>
+          <p:cNvSpPr>
+            <a:spLocks noChangeAspect="1" noChangeArrowheads="1"/>
+          </p:cNvSpPr>
+          <p:nvPr/>
+        </p:nvSpPr>
+        <p:spPr bwMode="auto">
+          <a:xfrm>
+            <a:off x="155575" y="-1684338"/>
+            <a:ext cx="3514725" cy="3514726"/>
+          </a:xfrm>
+          <a:prstGeom prst="rect">
+            <a:avLst/>
+          </a:prstGeom>
+          <a:noFill/>
+        </p:spPr>
+        <p:txBody>
+          <a:bodyPr vert="horz" wrap="square" lIns="91440" tIns="45720" rIns="91440" bIns="45720" numCol="1" anchor="t" anchorCtr="0" compatLnSpc="1">
+            <a:prstTxWarp prst="textNoShape">
+              <a:avLst/>
+            </a:prstTxWarp>
+          </a:bodyPr>
+          <a:lstStyle/>
+          <a:p>
+            <a:endParaRPr lang="en-US"/>
+          </a:p>
+        </p:txBody>
+      </p:sp>
+      <p:sp>
+        <p:nvSpPr>
+          <p:cNvPr id="11320" name="AutoShape 56" descr="Resultado de imagen de man technologist emoji black"/>
+          <p:cNvSpPr>
+            <a:spLocks noChangeAspect="1" noChangeArrowheads="1"/>
+          </p:cNvSpPr>
+          <p:nvPr/>
+        </p:nvSpPr>
+        <p:spPr bwMode="auto">
+          <a:xfrm>
+            <a:off x="155575" y="-1684338"/>
+            <a:ext cx="3514725" cy="3514726"/>
+          </a:xfrm>
+          <a:prstGeom prst="rect">
+            <a:avLst/>
+          </a:prstGeom>
+          <a:noFill/>
+        </p:spPr>
+        <p:txBody>
+          <a:bodyPr vert="horz" wrap="square" lIns="91440" tIns="45720" rIns="91440" bIns="45720" numCol="1" anchor="t" anchorCtr="0" compatLnSpc="1">
+            <a:prstTxWarp prst="textNoShape">
+              <a:avLst/>
+            </a:prstTxWarp>
+          </a:bodyPr>
+          <a:lstStyle/>
+          <a:p>
+            <a:endParaRPr lang="en-US"/>
+          </a:p>
+        </p:txBody>
+      </p:sp>
+      <p:pic>
+        <p:nvPicPr>
+          <p:cNvPr id="47" name="Image 46" descr="tech3.png"/>
+          <p:cNvPicPr>
+            <a:picLocks noChangeAspect="1"/>
+          </p:cNvPicPr>
+          <p:nvPr/>
+        </p:nvPicPr>
+        <p:blipFill>
+          <a:blip r:embed="rId11"/>
+          <a:stretch>
+            <a:fillRect/>
+          </a:stretch>
+        </p:blipFill>
+        <p:spPr>
+          <a:xfrm>
+            <a:off x="7086600" y="4953000"/>
+            <a:ext cx="1604962" cy="1604962"/>
+          </a:xfrm>
+          <a:prstGeom prst="rect">
+            <a:avLst/>
+          </a:prstGeom>
+        </p:spPr>
+      </p:pic>
+    </p:spTree>
+  </p:cSld>
+  <p:clrMapOvr>
+    <a:masterClrMapping/>
+  </p:clrMapOvr>
+</p:sld>
+</file>
+
+<file path=ppt/slides/slide3.xml><?xml version="1.0" encoding="utf-8"?>
+<p:sld xmlns:a="http://schemas.openxmlformats.org/drawingml/2006/main" xmlns:r="http://schemas.openxmlformats.org/officeDocument/2006/relationships" xmlns:p="http://schemas.openxmlformats.org/presentationml/2006/main">
+  <p:cSld>
+    <p:spTree>
+      <p:nvGrpSpPr>
+        <p:cNvPr id="1" name=""/>
+        <p:cNvGrpSpPr/>
+        <p:nvPr/>
+      </p:nvGrpSpPr>
+      <p:grpSpPr>
+        <a:xfrm>
+          <a:off x="0" y="0"/>
+          <a:ext cx="0" cy="0"/>
+          <a:chOff x="0" y="0"/>
+          <a:chExt cx="0" cy="0"/>
+        </a:xfrm>
+      </p:grpSpPr>
+      <p:sp>
+        <p:nvSpPr>
+          <p:cNvPr id="35" name="Rectangle 34"/>
+          <p:cNvSpPr/>
+          <p:nvPr/>
+        </p:nvSpPr>
+        <p:spPr>
+          <a:xfrm>
+            <a:off x="4648200" y="152400"/>
+            <a:ext cx="1752600" cy="1600200"/>
+          </a:xfrm>
+          <a:prstGeom prst="rect">
+            <a:avLst/>
+          </a:prstGeom>
+          <a:solidFill>
+            <a:schemeClr val="accent2">
+              <a:lumMod val="40000"/>
+              <a:lumOff val="60000"/>
+            </a:schemeClr>
+          </a:solidFill>
+        </p:spPr>
+        <p:style>
+          <a:lnRef idx="2">
+            <a:schemeClr val="accent2">
+              <a:shade val="50000"/>
+            </a:schemeClr>
+          </a:lnRef>
+          <a:fillRef idx="1">
+            <a:schemeClr val="accent2"/>
+          </a:fillRef>
+          <a:effectRef idx="0">
+            <a:schemeClr val="accent2"/>
+          </a:effectRef>
+          <a:fontRef idx="minor">
+            <a:schemeClr val="lt1"/>
+          </a:fontRef>
+        </p:style>
+        <p:txBody>
+          <a:bodyPr rtlCol="0" anchor="ctr"/>
+          <a:lstStyle/>
+          <a:p>
+            <a:pPr algn="ctr"/>
+            <a:endParaRPr lang="en-US"/>
+          </a:p>
+        </p:txBody>
+      </p:sp>
+      <p:sp>
+        <p:nvSpPr>
+          <p:cNvPr id="34" name="Rectangle 33"/>
+          <p:cNvSpPr/>
+          <p:nvPr/>
+        </p:nvSpPr>
+        <p:spPr>
+          <a:xfrm>
+            <a:off x="838200" y="1066800"/>
+            <a:ext cx="3581400" cy="3810000"/>
+          </a:xfrm>
+          <a:prstGeom prst="rect">
+            <a:avLst/>
+          </a:prstGeom>
+        </p:spPr>
+        <p:style>
+          <a:lnRef idx="2">
+            <a:schemeClr val="accent1">
+              <a:shade val="50000"/>
+            </a:schemeClr>
+          </a:lnRef>
+          <a:fillRef idx="1">
+            <a:schemeClr val="accent1"/>
+          </a:fillRef>
+          <a:effectRef idx="0">
+            <a:schemeClr val="accent1"/>
+          </a:effectRef>
+          <a:fontRef idx="minor">
+            <a:schemeClr val="lt1"/>
+          </a:fontRef>
+        </p:style>
+        <p:txBody>
+          <a:bodyPr rtlCol="0" anchor="ctr"/>
+          <a:lstStyle/>
+          <a:p>
+            <a:pPr algn="ctr"/>
+            <a:endParaRPr lang="en-US"/>
+          </a:p>
+        </p:txBody>
+      </p:sp>
+      <p:pic>
+        <p:nvPicPr>
+          <p:cNvPr id="11266" name="Picture 2" descr="Resultado de imagen de rstudio"/>
+          <p:cNvPicPr>
+            <a:picLocks noChangeAspect="1" noChangeArrowheads="1"/>
+          </p:cNvPicPr>
+          <p:nvPr/>
+        </p:nvPicPr>
+        <p:blipFill>
+          <a:blip r:embed="rId2"/>
+          <a:srcRect/>
+          <a:stretch>
+            <a:fillRect/>
+          </a:stretch>
+        </p:blipFill>
+        <p:spPr bwMode="auto">
+          <a:xfrm>
+            <a:off x="1143000" y="2209800"/>
+            <a:ext cx="3076575" cy="2562656"/>
+          </a:xfrm>
+          <a:prstGeom prst="rect">
+            <a:avLst/>
+          </a:prstGeom>
+          <a:noFill/>
+        </p:spPr>
+      </p:pic>
+      <p:pic>
+        <p:nvPicPr>
+          <p:cNvPr id="11268" name="Picture 4" descr="Resultado de imagen de rstudio"/>
+          <p:cNvPicPr>
+            <a:picLocks noChangeAspect="1" noChangeArrowheads="1"/>
+          </p:cNvPicPr>
+          <p:nvPr/>
+        </p:nvPicPr>
+        <p:blipFill>
+          <a:blip r:embed="rId3"/>
+          <a:srcRect/>
+          <a:stretch>
+            <a:fillRect/>
+          </a:stretch>
+        </p:blipFill>
+        <p:spPr bwMode="auto">
+          <a:xfrm>
+            <a:off x="1219200" y="1295400"/>
+            <a:ext cx="923926" cy="923926"/>
+          </a:xfrm>
+          <a:prstGeom prst="rect">
+            <a:avLst/>
+          </a:prstGeom>
+          <a:noFill/>
+        </p:spPr>
+      </p:pic>
+      <p:pic>
+        <p:nvPicPr>
+          <p:cNvPr id="11270" name="Picture 6" descr="Resultado de imagen de git"/>
+          <p:cNvPicPr>
+            <a:picLocks noChangeAspect="1" noChangeArrowheads="1"/>
+          </p:cNvPicPr>
+          <p:nvPr/>
+        </p:nvPicPr>
+        <p:blipFill>
+          <a:blip r:embed="rId4" cstate="print"/>
+          <a:srcRect/>
+          <a:stretch>
+            <a:fillRect/>
+          </a:stretch>
+        </p:blipFill>
+        <p:spPr bwMode="auto">
+          <a:xfrm>
+            <a:off x="5029200" y="457200"/>
+            <a:ext cx="1076325" cy="1076325"/>
+          </a:xfrm>
+          <a:prstGeom prst="rect">
+            <a:avLst/>
+          </a:prstGeom>
+          <a:noFill/>
+        </p:spPr>
+      </p:pic>
+      <p:sp>
+        <p:nvSpPr>
+          <p:cNvPr id="11274" name="AutoShape 10" descr="Resultado de imagen de history symbol"/>
+          <p:cNvSpPr>
+            <a:spLocks noChangeAspect="1" noChangeArrowheads="1"/>
+          </p:cNvSpPr>
+          <p:nvPr/>
+        </p:nvSpPr>
+        <p:spPr bwMode="auto">
+          <a:xfrm>
+            <a:off x="155575" y="-144463"/>
+            <a:ext cx="304800" cy="304801"/>
+          </a:xfrm>
+          <a:prstGeom prst="rect">
+            <a:avLst/>
+          </a:prstGeom>
+          <a:noFill/>
+        </p:spPr>
+        <p:txBody>
+          <a:bodyPr vert="horz" wrap="square" lIns="91440" tIns="45720" rIns="91440" bIns="45720" numCol="1" anchor="t" anchorCtr="0" compatLnSpc="1">
+            <a:prstTxWarp prst="textNoShape">
+              <a:avLst/>
+            </a:prstTxWarp>
+          </a:bodyPr>
+          <a:lstStyle/>
+          <a:p>
+            <a:endParaRPr lang="en-US"/>
+          </a:p>
+        </p:txBody>
+      </p:sp>
+      <p:sp>
+        <p:nvSpPr>
+          <p:cNvPr id="11276" name="AutoShape 12" descr="Resultado de imagen de history symbol"/>
+          <p:cNvSpPr>
+            <a:spLocks noChangeAspect="1" noChangeArrowheads="1"/>
+          </p:cNvSpPr>
+          <p:nvPr/>
+        </p:nvSpPr>
+        <p:spPr bwMode="auto">
+          <a:xfrm>
+            <a:off x="155575" y="-144463"/>
+            <a:ext cx="304800" cy="304801"/>
+          </a:xfrm>
+          <a:prstGeom prst="rect">
+            <a:avLst/>
+          </a:prstGeom>
+          <a:noFill/>
+        </p:spPr>
+        <p:txBody>
+          <a:bodyPr vert="horz" wrap="square" lIns="91440" tIns="45720" rIns="91440" bIns="45720" numCol="1" anchor="t" anchorCtr="0" compatLnSpc="1">
+            <a:prstTxWarp prst="textNoShape">
+              <a:avLst/>
+            </a:prstTxWarp>
+          </a:bodyPr>
+          <a:lstStyle/>
+          <a:p>
+            <a:endParaRPr lang="en-US"/>
+          </a:p>
+        </p:txBody>
+      </p:sp>
+      <p:sp>
+        <p:nvSpPr>
+          <p:cNvPr id="11278" name="AutoShape 14" descr="Resultado de imagen de history symbol"/>
+          <p:cNvSpPr>
+            <a:spLocks noChangeAspect="1" noChangeArrowheads="1"/>
+          </p:cNvSpPr>
+          <p:nvPr/>
+        </p:nvSpPr>
+        <p:spPr bwMode="auto">
+          <a:xfrm>
+            <a:off x="155575" y="-144463"/>
+            <a:ext cx="304800" cy="304801"/>
+          </a:xfrm>
+          <a:prstGeom prst="rect">
+            <a:avLst/>
+          </a:prstGeom>
+          <a:noFill/>
+        </p:spPr>
+        <p:txBody>
+          <a:bodyPr vert="horz" wrap="square" lIns="91440" tIns="45720" rIns="91440" bIns="45720" numCol="1" anchor="t" anchorCtr="0" compatLnSpc="1">
+            <a:prstTxWarp prst="textNoShape">
+              <a:avLst/>
+            </a:prstTxWarp>
+          </a:bodyPr>
+          <a:lstStyle/>
+          <a:p>
+            <a:endParaRPr lang="en-US"/>
+          </a:p>
+        </p:txBody>
+      </p:sp>
+      <p:sp>
+        <p:nvSpPr>
+          <p:cNvPr id="11280" name="AutoShape 16" descr="Resultado de imagen de history symbol"/>
+          <p:cNvSpPr>
+            <a:spLocks noChangeAspect="1" noChangeArrowheads="1"/>
+          </p:cNvSpPr>
+          <p:nvPr/>
+        </p:nvSpPr>
+        <p:spPr bwMode="auto">
+          <a:xfrm>
+            <a:off x="155575" y="-144463"/>
+            <a:ext cx="304800" cy="304801"/>
+          </a:xfrm>
+          <a:prstGeom prst="rect">
+            <a:avLst/>
+          </a:prstGeom>
+          <a:noFill/>
+        </p:spPr>
+        <p:txBody>
+          <a:bodyPr vert="horz" wrap="square" lIns="91440" tIns="45720" rIns="91440" bIns="45720" numCol="1" anchor="t" anchorCtr="0" compatLnSpc="1">
+            <a:prstTxWarp prst="textNoShape">
+              <a:avLst/>
+            </a:prstTxWarp>
+          </a:bodyPr>
+          <a:lstStyle/>
+          <a:p>
+            <a:endParaRPr lang="en-US"/>
+          </a:p>
+        </p:txBody>
+      </p:sp>
+      <p:sp>
+        <p:nvSpPr>
+          <p:cNvPr id="11282" name="AutoShape 18" descr="Resultado de imagen de history symbol"/>
+          <p:cNvSpPr>
+            <a:spLocks noChangeAspect="1" noChangeArrowheads="1"/>
+          </p:cNvSpPr>
+          <p:nvPr/>
+        </p:nvSpPr>
+        <p:spPr bwMode="auto">
+          <a:xfrm>
+            <a:off x="155575" y="-1684338"/>
+            <a:ext cx="3514725" cy="3514726"/>
+          </a:xfrm>
+          <a:prstGeom prst="rect">
+            <a:avLst/>
+          </a:prstGeom>
+          <a:noFill/>
+        </p:spPr>
+        <p:txBody>
+          <a:bodyPr vert="horz" wrap="square" lIns="91440" tIns="45720" rIns="91440" bIns="45720" numCol="1" anchor="t" anchorCtr="0" compatLnSpc="1">
+            <a:prstTxWarp prst="textNoShape">
+              <a:avLst/>
+            </a:prstTxWarp>
+          </a:bodyPr>
+          <a:lstStyle/>
+          <a:p>
+            <a:endParaRPr lang="en-US"/>
+          </a:p>
+        </p:txBody>
+      </p:sp>
+      <p:sp>
+        <p:nvSpPr>
+          <p:cNvPr id="11284" name="AutoShape 20" descr="Resultado de imagen de history symbol"/>
+          <p:cNvSpPr>
+            <a:spLocks noChangeAspect="1" noChangeArrowheads="1"/>
+          </p:cNvSpPr>
+          <p:nvPr/>
+        </p:nvSpPr>
+        <p:spPr bwMode="auto">
+          <a:xfrm>
+            <a:off x="155575" y="-1684338"/>
+            <a:ext cx="3514725" cy="3514726"/>
+          </a:xfrm>
+          <a:prstGeom prst="rect">
+            <a:avLst/>
+          </a:prstGeom>
+          <a:noFill/>
+        </p:spPr>
+        <p:txBody>
+          <a:bodyPr vert="horz" wrap="square" lIns="91440" tIns="45720" rIns="91440" bIns="45720" numCol="1" anchor="t" anchorCtr="0" compatLnSpc="1">
+            <a:prstTxWarp prst="textNoShape">
+              <a:avLst/>
+            </a:prstTxWarp>
+          </a:bodyPr>
+          <a:lstStyle/>
+          <a:p>
+            <a:endParaRPr lang="en-US"/>
+          </a:p>
+        </p:txBody>
+      </p:sp>
+      <p:sp>
+        <p:nvSpPr>
+          <p:cNvPr id="11286" name="AutoShape 22" descr="Resultado de imagen de github logo"/>
+          <p:cNvSpPr>
+            <a:spLocks noChangeAspect="1" noChangeArrowheads="1"/>
+          </p:cNvSpPr>
+          <p:nvPr/>
+        </p:nvSpPr>
+        <p:spPr bwMode="auto">
+          <a:xfrm>
+            <a:off x="155575" y="-144463"/>
+            <a:ext cx="304800" cy="304801"/>
+          </a:xfrm>
+          <a:prstGeom prst="rect">
+            <a:avLst/>
+          </a:prstGeom>
+          <a:noFill/>
+        </p:spPr>
+        <p:txBody>
+          <a:bodyPr vert="horz" wrap="square" lIns="91440" tIns="45720" rIns="91440" bIns="45720" numCol="1" anchor="t" anchorCtr="0" compatLnSpc="1">
+            <a:prstTxWarp prst="textNoShape">
+              <a:avLst/>
+            </a:prstTxWarp>
+          </a:bodyPr>
+          <a:lstStyle/>
+          <a:p>
+            <a:endParaRPr lang="en-US"/>
+          </a:p>
+        </p:txBody>
+      </p:sp>
+      <p:sp>
+        <p:nvSpPr>
+          <p:cNvPr id="11290" name="AutoShape 26" descr="Resultado de imagen de github logo png"/>
+          <p:cNvSpPr>
+            <a:spLocks noChangeAspect="1" noChangeArrowheads="1"/>
+          </p:cNvSpPr>
+          <p:nvPr/>
+        </p:nvSpPr>
+        <p:spPr bwMode="auto">
+          <a:xfrm>
+            <a:off x="155575" y="-144463"/>
+            <a:ext cx="304800" cy="304801"/>
+          </a:xfrm>
+          <a:prstGeom prst="rect">
+            <a:avLst/>
+          </a:prstGeom>
+          <a:noFill/>
+        </p:spPr>
+        <p:txBody>
+          <a:bodyPr vert="horz" wrap="square" lIns="91440" tIns="45720" rIns="91440" bIns="45720" numCol="1" anchor="t" anchorCtr="0" compatLnSpc="1">
+            <a:prstTxWarp prst="textNoShape">
+              <a:avLst/>
+            </a:prstTxWarp>
+          </a:bodyPr>
+          <a:lstStyle/>
+          <a:p>
+            <a:endParaRPr lang="en-US"/>
+          </a:p>
+        </p:txBody>
+      </p:sp>
+      <p:sp>
+        <p:nvSpPr>
+          <p:cNvPr id="11294" name="AutoShape 30" descr="Resultado de imagen de r logo software"/>
+          <p:cNvSpPr>
+            <a:spLocks noChangeAspect="1" noChangeArrowheads="1"/>
+          </p:cNvSpPr>
+          <p:nvPr/>
+        </p:nvSpPr>
+        <p:spPr bwMode="auto">
+          <a:xfrm>
+            <a:off x="155575" y="-144463"/>
+            <a:ext cx="304800" cy="304801"/>
+          </a:xfrm>
+          <a:prstGeom prst="rect">
+            <a:avLst/>
+          </a:prstGeom>
+          <a:noFill/>
+        </p:spPr>
+        <p:txBody>
+          <a:bodyPr vert="horz" wrap="square" lIns="91440" tIns="45720" rIns="91440" bIns="45720" numCol="1" anchor="t" anchorCtr="0" compatLnSpc="1">
+            <a:prstTxWarp prst="textNoShape">
+              <a:avLst/>
+            </a:prstTxWarp>
+          </a:bodyPr>
+          <a:lstStyle/>
+          <a:p>
+            <a:endParaRPr lang="en-US"/>
+          </a:p>
+        </p:txBody>
+      </p:sp>
+      <p:sp>
+        <p:nvSpPr>
+          <p:cNvPr id="11298" name="AutoShape 34" descr="Resultado de imagen de female technologist black emoji"/>
+          <p:cNvSpPr>
+            <a:spLocks noChangeAspect="1" noChangeArrowheads="1"/>
+          </p:cNvSpPr>
+          <p:nvPr/>
+        </p:nvSpPr>
+        <p:spPr bwMode="auto">
+          <a:xfrm>
+            <a:off x="155575" y="-144463"/>
+            <a:ext cx="304800" cy="304801"/>
+          </a:xfrm>
+          <a:prstGeom prst="rect">
+            <a:avLst/>
+          </a:prstGeom>
+          <a:noFill/>
+        </p:spPr>
+        <p:txBody>
+          <a:bodyPr vert="horz" wrap="square" lIns="91440" tIns="45720" rIns="91440" bIns="45720" numCol="1" anchor="t" anchorCtr="0" compatLnSpc="1">
+            <a:prstTxWarp prst="textNoShape">
+              <a:avLst/>
+            </a:prstTxWarp>
+          </a:bodyPr>
+          <a:lstStyle/>
+          <a:p>
+            <a:endParaRPr lang="en-US"/>
+          </a:p>
+        </p:txBody>
+      </p:sp>
+      <p:sp>
+        <p:nvSpPr>
+          <p:cNvPr id="11300" name="AutoShape 36" descr="Resultado de imagen de female technologist black emoji"/>
+          <p:cNvSpPr>
+            <a:spLocks noChangeAspect="1" noChangeArrowheads="1"/>
+          </p:cNvSpPr>
+          <p:nvPr/>
+        </p:nvSpPr>
+        <p:spPr bwMode="auto">
+          <a:xfrm>
+            <a:off x="155575" y="-731838"/>
+            <a:ext cx="1524000" cy="1524001"/>
+          </a:xfrm>
+          <a:prstGeom prst="rect">
+            <a:avLst/>
+          </a:prstGeom>
+          <a:noFill/>
+        </p:spPr>
+        <p:txBody>
+          <a:bodyPr vert="horz" wrap="square" lIns="91440" tIns="45720" rIns="91440" bIns="45720" numCol="1" anchor="t" anchorCtr="0" compatLnSpc="1">
+            <a:prstTxWarp prst="textNoShape">
+              <a:avLst/>
+            </a:prstTxWarp>
+          </a:bodyPr>
+          <a:lstStyle/>
+          <a:p>
+            <a:endParaRPr lang="en-US"/>
+          </a:p>
+        </p:txBody>
+      </p:sp>
+      <p:pic>
+        <p:nvPicPr>
+          <p:cNvPr id="23" name="Picture 38" descr="Imagen relacionada"/>
+          <p:cNvPicPr>
+            <a:picLocks noChangeAspect="1" noChangeArrowheads="1"/>
+          </p:cNvPicPr>
+          <p:nvPr/>
+        </p:nvPicPr>
+        <p:blipFill>
+          <a:blip r:embed="rId5"/>
+          <a:srcRect/>
+          <a:stretch>
+            <a:fillRect/>
+          </a:stretch>
+        </p:blipFill>
+        <p:spPr bwMode="auto">
+          <a:xfrm>
+            <a:off x="533400" y="4953000"/>
+            <a:ext cx="1600200" cy="1600200"/>
+          </a:xfrm>
+          <a:prstGeom prst="rect">
+            <a:avLst/>
+          </a:prstGeom>
+          <a:noFill/>
+        </p:spPr>
+      </p:pic>
+      <p:sp>
+        <p:nvSpPr>
+          <p:cNvPr id="11304" name="AutoShape 40" descr="Resultado de imagen de male technologist emoji"/>
+          <p:cNvSpPr>
+            <a:spLocks noChangeAspect="1" noChangeArrowheads="1"/>
+          </p:cNvSpPr>
+          <p:nvPr/>
+        </p:nvSpPr>
+        <p:spPr bwMode="auto">
+          <a:xfrm>
+            <a:off x="155575" y="-144463"/>
+            <a:ext cx="304800" cy="304801"/>
+          </a:xfrm>
+          <a:prstGeom prst="rect">
+            <a:avLst/>
+          </a:prstGeom>
+          <a:noFill/>
+        </p:spPr>
+        <p:txBody>
+          <a:bodyPr vert="horz" wrap="square" lIns="91440" tIns="45720" rIns="91440" bIns="45720" numCol="1" anchor="t" anchorCtr="0" compatLnSpc="1">
+            <a:prstTxWarp prst="textNoShape">
+              <a:avLst/>
+            </a:prstTxWarp>
+          </a:bodyPr>
+          <a:lstStyle/>
+          <a:p>
+            <a:endParaRPr lang="en-US"/>
+          </a:p>
+        </p:txBody>
+      </p:sp>
+      <p:sp>
+        <p:nvSpPr>
+          <p:cNvPr id="11306" name="AutoShape 42" descr="Resultado de imagen de male technologist emoji"/>
+          <p:cNvSpPr>
+            <a:spLocks noChangeAspect="1" noChangeArrowheads="1"/>
+          </p:cNvSpPr>
+          <p:nvPr/>
+        </p:nvSpPr>
+        <p:spPr bwMode="auto">
+          <a:xfrm>
+            <a:off x="155575" y="-144463"/>
+            <a:ext cx="304800" cy="304801"/>
+          </a:xfrm>
+          <a:prstGeom prst="rect">
+            <a:avLst/>
+          </a:prstGeom>
+          <a:noFill/>
+        </p:spPr>
+        <p:txBody>
+          <a:bodyPr vert="horz" wrap="square" lIns="91440" tIns="45720" rIns="91440" bIns="45720" numCol="1" anchor="t" anchorCtr="0" compatLnSpc="1">
+            <a:prstTxWarp prst="textNoShape">
+              <a:avLst/>
+            </a:prstTxWarp>
+          </a:bodyPr>
+          <a:lstStyle/>
+          <a:p>
+            <a:endParaRPr lang="en-US"/>
+          </a:p>
+        </p:txBody>
+      </p:sp>
+      <p:sp>
+        <p:nvSpPr>
+          <p:cNvPr id="27" name="ZoneTexte 26"/>
+          <p:cNvSpPr txBox="1"/>
+          <p:nvPr/>
+        </p:nvSpPr>
+        <p:spPr>
+          <a:xfrm flipH="1">
+            <a:off x="457200" y="4953000"/>
+            <a:ext cx="2087881" cy="369332"/>
+          </a:xfrm>
+          <a:prstGeom prst="rect">
+            <a:avLst/>
+          </a:prstGeom>
+          <a:noFill/>
+        </p:spPr>
+        <p:txBody>
+          <a:bodyPr wrap="square" rtlCol="0">
+            <a:spAutoFit/>
+          </a:bodyPr>
+          <a:lstStyle/>
+          <a:p>
+            <a:r>
+              <a:rPr lang="es-ES" dirty="0" smtClean="0"/>
+              <a:t>YOU</a:t>
+            </a:r>
+            <a:endParaRPr lang="en-US" dirty="0"/>
+          </a:p>
+        </p:txBody>
+      </p:sp>
+      <p:sp>
+        <p:nvSpPr>
+          <p:cNvPr id="32" name="ZoneTexte 31"/>
+          <p:cNvSpPr txBox="1"/>
+          <p:nvPr/>
+        </p:nvSpPr>
+        <p:spPr>
+          <a:xfrm flipH="1">
+            <a:off x="4724400" y="381000"/>
+            <a:ext cx="2087881" cy="369332"/>
+          </a:xfrm>
+          <a:prstGeom prst="rect">
+            <a:avLst/>
+          </a:prstGeom>
+          <a:noFill/>
+        </p:spPr>
+        <p:txBody>
+          <a:bodyPr wrap="square" rtlCol="0">
+            <a:spAutoFit/>
+          </a:bodyPr>
+          <a:lstStyle/>
+          <a:p>
+            <a:r>
+              <a:rPr lang="es-ES" dirty="0" smtClean="0"/>
+              <a:t>GIT</a:t>
+            </a:r>
+            <a:endParaRPr lang="en-US" dirty="0"/>
+          </a:p>
+        </p:txBody>
+      </p:sp>
+      <p:sp>
+        <p:nvSpPr>
+          <p:cNvPr id="33" name="ZoneTexte 32"/>
+          <p:cNvSpPr txBox="1"/>
+          <p:nvPr/>
+        </p:nvSpPr>
+        <p:spPr>
+          <a:xfrm flipH="1">
+            <a:off x="2362200" y="1676400"/>
+            <a:ext cx="2087881" cy="369332"/>
+          </a:xfrm>
+          <a:prstGeom prst="rect">
+            <a:avLst/>
+          </a:prstGeom>
+          <a:noFill/>
+        </p:spPr>
+        <p:txBody>
+          <a:bodyPr wrap="square" rtlCol="0">
+            <a:spAutoFit/>
+          </a:bodyPr>
+          <a:lstStyle/>
+          <a:p>
+            <a:r>
+              <a:rPr lang="es-ES" dirty="0" smtClean="0"/>
+              <a:t>RSTUDIO</a:t>
+            </a:r>
+            <a:endParaRPr lang="en-US" dirty="0"/>
+          </a:p>
+        </p:txBody>
+      </p:sp>
+      <p:pic>
+        <p:nvPicPr>
+          <p:cNvPr id="38" name="Image 37" descr="R_logo2.png"/>
+          <p:cNvPicPr>
+            <a:picLocks noChangeAspect="1"/>
+          </p:cNvPicPr>
+          <p:nvPr/>
+        </p:nvPicPr>
+        <p:blipFill>
+          <a:blip r:embed="rId6" cstate="print"/>
+          <a:stretch>
+            <a:fillRect/>
+          </a:stretch>
+        </p:blipFill>
+        <p:spPr>
+          <a:xfrm>
+            <a:off x="304800" y="87630"/>
+            <a:ext cx="1066800" cy="826770"/>
+          </a:xfrm>
+          <a:prstGeom prst="rect">
+            <a:avLst/>
+          </a:prstGeom>
+        </p:spPr>
+      </p:pic>
+      <p:sp>
+        <p:nvSpPr>
+          <p:cNvPr id="39" name="ZoneTexte 38"/>
+          <p:cNvSpPr txBox="1"/>
+          <p:nvPr/>
+        </p:nvSpPr>
+        <p:spPr>
+          <a:xfrm flipH="1">
+            <a:off x="1371600" y="152400"/>
+            <a:ext cx="2087881" cy="369332"/>
+          </a:xfrm>
+          <a:prstGeom prst="rect">
+            <a:avLst/>
+          </a:prstGeom>
+          <a:noFill/>
+        </p:spPr>
+        <p:txBody>
+          <a:bodyPr wrap="square" rtlCol="0">
+            <a:spAutoFit/>
+          </a:bodyPr>
+          <a:lstStyle/>
+          <a:p>
+            <a:r>
+              <a:rPr lang="es-ES" dirty="0" smtClean="0"/>
+              <a:t>USETHIS</a:t>
+            </a:r>
+            <a:endParaRPr lang="en-US" dirty="0"/>
+          </a:p>
+        </p:txBody>
+      </p:sp>
+      <p:pic>
+        <p:nvPicPr>
+          <p:cNvPr id="11310" name="Picture 46" descr="Imagen relacionada"/>
+          <p:cNvPicPr>
+            <a:picLocks noChangeAspect="1" noChangeArrowheads="1"/>
+          </p:cNvPicPr>
+          <p:nvPr/>
+        </p:nvPicPr>
+        <p:blipFill>
+          <a:blip r:embed="rId7"/>
+          <a:srcRect/>
+          <a:stretch>
+            <a:fillRect/>
+          </a:stretch>
+        </p:blipFill>
+        <p:spPr bwMode="auto">
+          <a:xfrm>
+            <a:off x="4724400" y="914400"/>
+            <a:ext cx="792361" cy="838201"/>
+          </a:xfrm>
+          <a:prstGeom prst="rect">
+            <a:avLst/>
+          </a:prstGeom>
+          <a:noFill/>
+        </p:spPr>
+      </p:pic>
+      <p:sp>
+        <p:nvSpPr>
+          <p:cNvPr id="11312" name="AutoShape 48" descr="Resultado de imagen de female technologist emoji"/>
+          <p:cNvSpPr>
+            <a:spLocks noChangeAspect="1" noChangeArrowheads="1"/>
+          </p:cNvSpPr>
+          <p:nvPr/>
+        </p:nvSpPr>
+        <p:spPr bwMode="auto">
+          <a:xfrm>
+            <a:off x="155575" y="-144463"/>
+            <a:ext cx="304800" cy="304801"/>
+          </a:xfrm>
+          <a:prstGeom prst="rect">
+            <a:avLst/>
+          </a:prstGeom>
+          <a:noFill/>
+        </p:spPr>
+        <p:txBody>
+          <a:bodyPr vert="horz" wrap="square" lIns="91440" tIns="45720" rIns="91440" bIns="45720" numCol="1" anchor="t" anchorCtr="0" compatLnSpc="1">
+            <a:prstTxWarp prst="textNoShape">
+              <a:avLst/>
+            </a:prstTxWarp>
+          </a:bodyPr>
+          <a:lstStyle/>
+          <a:p>
+            <a:endParaRPr lang="en-US"/>
+          </a:p>
+        </p:txBody>
+      </p:sp>
+      <p:sp>
+        <p:nvSpPr>
+          <p:cNvPr id="11314" name="AutoShape 50" descr="Resultado de imagen de female technologist emoji"/>
+          <p:cNvSpPr>
+            <a:spLocks noChangeAspect="1" noChangeArrowheads="1"/>
+          </p:cNvSpPr>
+          <p:nvPr/>
+        </p:nvSpPr>
+        <p:spPr bwMode="auto">
+          <a:xfrm>
+            <a:off x="155575" y="-1684338"/>
+            <a:ext cx="3514725" cy="3514726"/>
+          </a:xfrm>
+          <a:prstGeom prst="rect">
+            <a:avLst/>
+          </a:prstGeom>
+          <a:noFill/>
+        </p:spPr>
+        <p:txBody>
+          <a:bodyPr vert="horz" wrap="square" lIns="91440" tIns="45720" rIns="91440" bIns="45720" numCol="1" anchor="t" anchorCtr="0" compatLnSpc="1">
+            <a:prstTxWarp prst="textNoShape">
+              <a:avLst/>
+            </a:prstTxWarp>
+          </a:bodyPr>
+          <a:lstStyle/>
+          <a:p>
+            <a:endParaRPr lang="en-US"/>
+          </a:p>
+        </p:txBody>
+      </p:sp>
+      <p:sp>
+        <p:nvSpPr>
+          <p:cNvPr id="11316" name="AutoShape 52" descr="Resultado de imagen de female technologist emoji"/>
+          <p:cNvSpPr>
+            <a:spLocks noChangeAspect="1" noChangeArrowheads="1"/>
+          </p:cNvSpPr>
+          <p:nvPr/>
+        </p:nvSpPr>
+        <p:spPr bwMode="auto">
+          <a:xfrm>
+            <a:off x="155575" y="-1684338"/>
+            <a:ext cx="3514725" cy="3514726"/>
+          </a:xfrm>
+          <a:prstGeom prst="rect">
+            <a:avLst/>
+          </a:prstGeom>
+          <a:noFill/>
+        </p:spPr>
+        <p:txBody>
+          <a:bodyPr vert="horz" wrap="square" lIns="91440" tIns="45720" rIns="91440" bIns="45720" numCol="1" anchor="t" anchorCtr="0" compatLnSpc="1">
+            <a:prstTxWarp prst="textNoShape">
+              <a:avLst/>
+            </a:prstTxWarp>
+          </a:bodyPr>
+          <a:lstStyle/>
+          <a:p>
+            <a:endParaRPr lang="en-US"/>
+          </a:p>
+        </p:txBody>
+      </p:sp>
+      <p:sp>
+        <p:nvSpPr>
+          <p:cNvPr id="11318" name="AutoShape 54" descr="Resultado de imagen de man technologist emoji black"/>
+          <p:cNvSpPr>
+            <a:spLocks noChangeAspect="1" noChangeArrowheads="1"/>
+          </p:cNvSpPr>
+          <p:nvPr/>
+        </p:nvSpPr>
+        <p:spPr bwMode="auto">
+          <a:xfrm>
+            <a:off x="155575" y="-1684338"/>
+            <a:ext cx="3514725" cy="3514726"/>
+          </a:xfrm>
+          <a:prstGeom prst="rect">
+            <a:avLst/>
+          </a:prstGeom>
+          <a:noFill/>
+        </p:spPr>
+        <p:txBody>
+          <a:bodyPr vert="horz" wrap="square" lIns="91440" tIns="45720" rIns="91440" bIns="45720" numCol="1" anchor="t" anchorCtr="0" compatLnSpc="1">
+            <a:prstTxWarp prst="textNoShape">
+              <a:avLst/>
+            </a:prstTxWarp>
+          </a:bodyPr>
+          <a:lstStyle/>
+          <a:p>
+            <a:endParaRPr lang="en-US"/>
+          </a:p>
+        </p:txBody>
+      </p:sp>
+      <p:sp>
+        <p:nvSpPr>
+          <p:cNvPr id="11320" name="AutoShape 56" descr="Resultado de imagen de man technologist emoji black"/>
+          <p:cNvSpPr>
+            <a:spLocks noChangeAspect="1" noChangeArrowheads="1"/>
+          </p:cNvSpPr>
+          <p:nvPr/>
+        </p:nvSpPr>
+        <p:spPr bwMode="auto">
+          <a:xfrm>
+            <a:off x="155575" y="-1684338"/>
+            <a:ext cx="3514725" cy="3514726"/>
+          </a:xfrm>
+          <a:prstGeom prst="rect">
+            <a:avLst/>
+          </a:prstGeom>
+          <a:noFill/>
+        </p:spPr>
+        <p:txBody>
+          <a:bodyPr vert="horz" wrap="square" lIns="91440" tIns="45720" rIns="91440" bIns="45720" numCol="1" anchor="t" anchorCtr="0" compatLnSpc="1">
+            <a:prstTxWarp prst="textNoShape">
+              <a:avLst/>
+            </a:prstTxWarp>
+          </a:bodyPr>
+          <a:lstStyle/>
+          <a:p>
+            <a:endParaRPr lang="en-US"/>
+          </a:p>
+        </p:txBody>
+      </p:sp>
+    </p:spTree>
+  </p:cSld>
+  <p:clrMapOvr>
+    <a:masterClrMapping/>
+  </p:clrMapOvr>
+</p:sld>
+</file>
+
+<file path=ppt/slides/slide4.xml><?xml version="1.0" encoding="utf-8"?>
+<p:sld xmlns:a="http://schemas.openxmlformats.org/drawingml/2006/main" xmlns:r="http://schemas.openxmlformats.org/officeDocument/2006/relationships" xmlns:p="http://schemas.openxmlformats.org/presentationml/2006/main">
+  <p:cSld>
+    <p:spTree>
+      <p:nvGrpSpPr>
+        <p:cNvPr id="1" name=""/>
+        <p:cNvGrpSpPr/>
+        <p:nvPr/>
+      </p:nvGrpSpPr>
+      <p:grpSpPr>
+        <a:xfrm>
+          <a:off x="0" y="0"/>
+          <a:ext cx="0" cy="0"/>
+          <a:chOff x="0" y="0"/>
+          <a:chExt cx="0" cy="0"/>
+        </a:xfrm>
+      </p:grpSpPr>
+      <p:sp>
+        <p:nvSpPr>
+          <p:cNvPr id="34" name="Rectangle 33"/>
+          <p:cNvSpPr/>
+          <p:nvPr/>
+        </p:nvSpPr>
+        <p:spPr>
+          <a:xfrm>
+            <a:off x="838200" y="1066800"/>
+            <a:ext cx="3581400" cy="3810000"/>
+          </a:xfrm>
+          <a:prstGeom prst="rect">
+            <a:avLst/>
+          </a:prstGeom>
+        </p:spPr>
+        <p:style>
+          <a:lnRef idx="2">
+            <a:schemeClr val="accent1">
+              <a:shade val="50000"/>
+            </a:schemeClr>
+          </a:lnRef>
+          <a:fillRef idx="1">
+            <a:schemeClr val="accent1"/>
+          </a:fillRef>
+          <a:effectRef idx="0">
+            <a:schemeClr val="accent1"/>
+          </a:effectRef>
+          <a:fontRef idx="minor">
+            <a:schemeClr val="lt1"/>
+          </a:fontRef>
+        </p:style>
+        <p:txBody>
+          <a:bodyPr rtlCol="0" anchor="ctr"/>
+          <a:lstStyle/>
+          <a:p>
+            <a:pPr algn="ctr"/>
+            <a:endParaRPr lang="en-US"/>
+          </a:p>
+        </p:txBody>
+      </p:sp>
+      <p:pic>
+        <p:nvPicPr>
+          <p:cNvPr id="11266" name="Picture 2" descr="Resultado de imagen de rstudio"/>
+          <p:cNvPicPr>
+            <a:picLocks noChangeAspect="1" noChangeArrowheads="1"/>
+          </p:cNvPicPr>
+          <p:nvPr/>
+        </p:nvPicPr>
+        <p:blipFill>
+          <a:blip r:embed="rId2"/>
+          <a:srcRect/>
+          <a:stretch>
+            <a:fillRect/>
+          </a:stretch>
+        </p:blipFill>
+        <p:spPr bwMode="auto">
+          <a:xfrm>
+            <a:off x="1143000" y="2209800"/>
+            <a:ext cx="3076575" cy="2562656"/>
+          </a:xfrm>
+          <a:prstGeom prst="rect">
+            <a:avLst/>
+          </a:prstGeom>
+          <a:noFill/>
+        </p:spPr>
+      </p:pic>
+      <p:pic>
+        <p:nvPicPr>
+          <p:cNvPr id="11268" name="Picture 4" descr="Resultado de imagen de rstudio"/>
+          <p:cNvPicPr>
+            <a:picLocks noChangeAspect="1" noChangeArrowheads="1"/>
+          </p:cNvPicPr>
+          <p:nvPr/>
+        </p:nvPicPr>
+        <p:blipFill>
+          <a:blip r:embed="rId3"/>
+          <a:srcRect/>
+          <a:stretch>
+            <a:fillRect/>
+          </a:stretch>
+        </p:blipFill>
+        <p:spPr bwMode="auto">
+          <a:xfrm>
+            <a:off x="1219200" y="1295400"/>
+            <a:ext cx="923926" cy="923926"/>
+          </a:xfrm>
+          <a:prstGeom prst="rect">
+            <a:avLst/>
+          </a:prstGeom>
+          <a:noFill/>
+        </p:spPr>
+      </p:pic>
+      <p:sp>
+        <p:nvSpPr>
+          <p:cNvPr id="11274" name="AutoShape 10" descr="Resultado de imagen de history symbol"/>
+          <p:cNvSpPr>
+            <a:spLocks noChangeAspect="1" noChangeArrowheads="1"/>
+          </p:cNvSpPr>
+          <p:nvPr/>
+        </p:nvSpPr>
+        <p:spPr bwMode="auto">
+          <a:xfrm>
+            <a:off x="155575" y="-144463"/>
+            <a:ext cx="304800" cy="304801"/>
+          </a:xfrm>
+          <a:prstGeom prst="rect">
+            <a:avLst/>
+          </a:prstGeom>
+          <a:noFill/>
+        </p:spPr>
+        <p:txBody>
+          <a:bodyPr vert="horz" wrap="square" lIns="91440" tIns="45720" rIns="91440" bIns="45720" numCol="1" anchor="t" anchorCtr="0" compatLnSpc="1">
+            <a:prstTxWarp prst="textNoShape">
+              <a:avLst/>
+            </a:prstTxWarp>
+          </a:bodyPr>
+          <a:lstStyle/>
+          <a:p>
+            <a:endParaRPr lang="en-US"/>
+          </a:p>
+        </p:txBody>
+      </p:sp>
+      <p:sp>
+        <p:nvSpPr>
+          <p:cNvPr id="11276" name="AutoShape 12" descr="Resultado de imagen de history symbol"/>
+          <p:cNvSpPr>
+            <a:spLocks noChangeAspect="1" noChangeArrowheads="1"/>
+          </p:cNvSpPr>
+          <p:nvPr/>
+        </p:nvSpPr>
+        <p:spPr bwMode="auto">
+          <a:xfrm>
+            <a:off x="155575" y="-144463"/>
+            <a:ext cx="304800" cy="304801"/>
+          </a:xfrm>
+          <a:prstGeom prst="rect">
+            <a:avLst/>
+          </a:prstGeom>
+          <a:noFill/>
+        </p:spPr>
+        <p:txBody>
+          <a:bodyPr vert="horz" wrap="square" lIns="91440" tIns="45720" rIns="91440" bIns="45720" numCol="1" anchor="t" anchorCtr="0" compatLnSpc="1">
+            <a:prstTxWarp prst="textNoShape">
+              <a:avLst/>
+            </a:prstTxWarp>
+          </a:bodyPr>
+          <a:lstStyle/>
+          <a:p>
+            <a:endParaRPr lang="en-US"/>
+          </a:p>
+        </p:txBody>
+      </p:sp>
+      <p:sp>
+        <p:nvSpPr>
+          <p:cNvPr id="11278" name="AutoShape 14" descr="Resultado de imagen de history symbol"/>
+          <p:cNvSpPr>
+            <a:spLocks noChangeAspect="1" noChangeArrowheads="1"/>
+          </p:cNvSpPr>
+          <p:nvPr/>
+        </p:nvSpPr>
+        <p:spPr bwMode="auto">
+          <a:xfrm>
+            <a:off x="155575" y="-144463"/>
+            <a:ext cx="304800" cy="304801"/>
+          </a:xfrm>
+          <a:prstGeom prst="rect">
+            <a:avLst/>
+          </a:prstGeom>
+          <a:noFill/>
+        </p:spPr>
+        <p:txBody>
+          <a:bodyPr vert="horz" wrap="square" lIns="91440" tIns="45720" rIns="91440" bIns="45720" numCol="1" anchor="t" anchorCtr="0" compatLnSpc="1">
+            <a:prstTxWarp prst="textNoShape">
+              <a:avLst/>
+            </a:prstTxWarp>
+          </a:bodyPr>
+          <a:lstStyle/>
+          <a:p>
+            <a:endParaRPr lang="en-US"/>
+          </a:p>
+        </p:txBody>
+      </p:sp>
+      <p:sp>
+        <p:nvSpPr>
+          <p:cNvPr id="11280" name="AutoShape 16" descr="Resultado de imagen de history symbol"/>
+          <p:cNvSpPr>
+            <a:spLocks noChangeAspect="1" noChangeArrowheads="1"/>
+          </p:cNvSpPr>
+          <p:nvPr/>
+        </p:nvSpPr>
+        <p:spPr bwMode="auto">
+          <a:xfrm>
+            <a:off x="155575" y="-144463"/>
+            <a:ext cx="304800" cy="304801"/>
+          </a:xfrm>
+          <a:prstGeom prst="rect">
+            <a:avLst/>
+          </a:prstGeom>
+          <a:noFill/>
+        </p:spPr>
+        <p:txBody>
+          <a:bodyPr vert="horz" wrap="square" lIns="91440" tIns="45720" rIns="91440" bIns="45720" numCol="1" anchor="t" anchorCtr="0" compatLnSpc="1">
+            <a:prstTxWarp prst="textNoShape">
+              <a:avLst/>
+            </a:prstTxWarp>
+          </a:bodyPr>
+          <a:lstStyle/>
+          <a:p>
+            <a:endParaRPr lang="en-US"/>
+          </a:p>
+        </p:txBody>
+      </p:sp>
+      <p:sp>
+        <p:nvSpPr>
+          <p:cNvPr id="11282" name="AutoShape 18" descr="Resultado de imagen de history symbol"/>
+          <p:cNvSpPr>
+            <a:spLocks noChangeAspect="1" noChangeArrowheads="1"/>
+          </p:cNvSpPr>
+          <p:nvPr/>
+        </p:nvSpPr>
+        <p:spPr bwMode="auto">
+          <a:xfrm>
+            <a:off x="155575" y="-1684338"/>
+            <a:ext cx="3514725" cy="3514726"/>
+          </a:xfrm>
+          <a:prstGeom prst="rect">
+            <a:avLst/>
+          </a:prstGeom>
+          <a:noFill/>
+        </p:spPr>
+        <p:txBody>
+          <a:bodyPr vert="horz" wrap="square" lIns="91440" tIns="45720" rIns="91440" bIns="45720" numCol="1" anchor="t" anchorCtr="0" compatLnSpc="1">
+            <a:prstTxWarp prst="textNoShape">
+              <a:avLst/>
+            </a:prstTxWarp>
+          </a:bodyPr>
+          <a:lstStyle/>
+          <a:p>
+            <a:endParaRPr lang="en-US"/>
+          </a:p>
+        </p:txBody>
+      </p:sp>
+      <p:sp>
+        <p:nvSpPr>
+          <p:cNvPr id="11284" name="AutoShape 20" descr="Resultado de imagen de history symbol"/>
+          <p:cNvSpPr>
+            <a:spLocks noChangeAspect="1" noChangeArrowheads="1"/>
+          </p:cNvSpPr>
+          <p:nvPr/>
+        </p:nvSpPr>
+        <p:spPr bwMode="auto">
+          <a:xfrm>
+            <a:off x="155575" y="-1684338"/>
+            <a:ext cx="3514725" cy="3514726"/>
+          </a:xfrm>
+          <a:prstGeom prst="rect">
+            <a:avLst/>
+          </a:prstGeom>
+          <a:noFill/>
+        </p:spPr>
+        <p:txBody>
+          <a:bodyPr vert="horz" wrap="square" lIns="91440" tIns="45720" rIns="91440" bIns="45720" numCol="1" anchor="t" anchorCtr="0" compatLnSpc="1">
+            <a:prstTxWarp prst="textNoShape">
+              <a:avLst/>
+            </a:prstTxWarp>
+          </a:bodyPr>
+          <a:lstStyle/>
+          <a:p>
+            <a:endParaRPr lang="en-US"/>
+          </a:p>
+        </p:txBody>
+      </p:sp>
+      <p:sp>
+        <p:nvSpPr>
+          <p:cNvPr id="11286" name="AutoShape 22" descr="Resultado de imagen de github logo"/>
+          <p:cNvSpPr>
+            <a:spLocks noChangeAspect="1" noChangeArrowheads="1"/>
+          </p:cNvSpPr>
+          <p:nvPr/>
+        </p:nvSpPr>
+        <p:spPr bwMode="auto">
+          <a:xfrm>
+            <a:off x="155575" y="-144463"/>
+            <a:ext cx="304800" cy="304801"/>
+          </a:xfrm>
+          <a:prstGeom prst="rect">
+            <a:avLst/>
+          </a:prstGeom>
+          <a:noFill/>
+        </p:spPr>
+        <p:txBody>
+          <a:bodyPr vert="horz" wrap="square" lIns="91440" tIns="45720" rIns="91440" bIns="45720" numCol="1" anchor="t" anchorCtr="0" compatLnSpc="1">
+            <a:prstTxWarp prst="textNoShape">
+              <a:avLst/>
+            </a:prstTxWarp>
+          </a:bodyPr>
+          <a:lstStyle/>
+          <a:p>
+            <a:endParaRPr lang="en-US"/>
+          </a:p>
+        </p:txBody>
+      </p:sp>
+      <p:sp>
+        <p:nvSpPr>
+          <p:cNvPr id="11290" name="AutoShape 26" descr="Resultado de imagen de github logo png"/>
+          <p:cNvSpPr>
+            <a:spLocks noChangeAspect="1" noChangeArrowheads="1"/>
+          </p:cNvSpPr>
+          <p:nvPr/>
+        </p:nvSpPr>
+        <p:spPr bwMode="auto">
+          <a:xfrm>
+            <a:off x="155575" y="-144463"/>
+            <a:ext cx="304800" cy="304801"/>
+          </a:xfrm>
+          <a:prstGeom prst="rect">
+            <a:avLst/>
+          </a:prstGeom>
+          <a:noFill/>
+        </p:spPr>
+        <p:txBody>
+          <a:bodyPr vert="horz" wrap="square" lIns="91440" tIns="45720" rIns="91440" bIns="45720" numCol="1" anchor="t" anchorCtr="0" compatLnSpc="1">
+            <a:prstTxWarp prst="textNoShape">
+              <a:avLst/>
+            </a:prstTxWarp>
+          </a:bodyPr>
+          <a:lstStyle/>
+          <a:p>
+            <a:endParaRPr lang="en-US"/>
+          </a:p>
+        </p:txBody>
+      </p:sp>
+      <p:sp>
+        <p:nvSpPr>
+          <p:cNvPr id="11294" name="AutoShape 30" descr="Resultado de imagen de r logo software"/>
+          <p:cNvSpPr>
+            <a:spLocks noChangeAspect="1" noChangeArrowheads="1"/>
+          </p:cNvSpPr>
+          <p:nvPr/>
+        </p:nvSpPr>
+        <p:spPr bwMode="auto">
+          <a:xfrm>
+            <a:off x="155575" y="-144463"/>
+            <a:ext cx="304800" cy="304801"/>
+          </a:xfrm>
+          <a:prstGeom prst="rect">
+            <a:avLst/>
+          </a:prstGeom>
+          <a:noFill/>
+        </p:spPr>
+        <p:txBody>
+          <a:bodyPr vert="horz" wrap="square" lIns="91440" tIns="45720" rIns="91440" bIns="45720" numCol="1" anchor="t" anchorCtr="0" compatLnSpc="1">
+            <a:prstTxWarp prst="textNoShape">
+              <a:avLst/>
+            </a:prstTxWarp>
+          </a:bodyPr>
+          <a:lstStyle/>
+          <a:p>
+            <a:endParaRPr lang="en-US"/>
+          </a:p>
+        </p:txBody>
+      </p:sp>
+      <p:sp>
+        <p:nvSpPr>
+          <p:cNvPr id="11298" name="AutoShape 34" descr="Resultado de imagen de female technologist black emoji"/>
+          <p:cNvSpPr>
+            <a:spLocks noChangeAspect="1" noChangeArrowheads="1"/>
+          </p:cNvSpPr>
+          <p:nvPr/>
+        </p:nvSpPr>
+        <p:spPr bwMode="auto">
+          <a:xfrm>
+            <a:off x="155575" y="-144463"/>
+            <a:ext cx="304800" cy="304801"/>
+          </a:xfrm>
+          <a:prstGeom prst="rect">
+            <a:avLst/>
+          </a:prstGeom>
+          <a:noFill/>
+        </p:spPr>
+        <p:txBody>
+          <a:bodyPr vert="horz" wrap="square" lIns="91440" tIns="45720" rIns="91440" bIns="45720" numCol="1" anchor="t" anchorCtr="0" compatLnSpc="1">
+            <a:prstTxWarp prst="textNoShape">
+              <a:avLst/>
+            </a:prstTxWarp>
+          </a:bodyPr>
+          <a:lstStyle/>
+          <a:p>
+            <a:endParaRPr lang="en-US"/>
+          </a:p>
+        </p:txBody>
+      </p:sp>
+      <p:sp>
+        <p:nvSpPr>
+          <p:cNvPr id="11300" name="AutoShape 36" descr="Resultado de imagen de female technologist black emoji"/>
+          <p:cNvSpPr>
+            <a:spLocks noChangeAspect="1" noChangeArrowheads="1"/>
+          </p:cNvSpPr>
+          <p:nvPr/>
+        </p:nvSpPr>
+        <p:spPr bwMode="auto">
+          <a:xfrm>
+            <a:off x="155575" y="-731838"/>
+            <a:ext cx="1524000" cy="1524001"/>
+          </a:xfrm>
+          <a:prstGeom prst="rect">
+            <a:avLst/>
+          </a:prstGeom>
+          <a:noFill/>
+        </p:spPr>
+        <p:txBody>
+          <a:bodyPr vert="horz" wrap="square" lIns="91440" tIns="45720" rIns="91440" bIns="45720" numCol="1" anchor="t" anchorCtr="0" compatLnSpc="1">
+            <a:prstTxWarp prst="textNoShape">
+              <a:avLst/>
+            </a:prstTxWarp>
+          </a:bodyPr>
+          <a:lstStyle/>
+          <a:p>
+            <a:endParaRPr lang="en-US"/>
+          </a:p>
+        </p:txBody>
+      </p:sp>
+      <p:pic>
+        <p:nvPicPr>
+          <p:cNvPr id="23" name="Picture 38" descr="Imagen relacionada"/>
+          <p:cNvPicPr>
+            <a:picLocks noChangeAspect="1" noChangeArrowheads="1"/>
+          </p:cNvPicPr>
+          <p:nvPr/>
+        </p:nvPicPr>
+        <p:blipFill>
+          <a:blip r:embed="rId4"/>
+          <a:srcRect/>
+          <a:stretch>
+            <a:fillRect/>
+          </a:stretch>
+        </p:blipFill>
+        <p:spPr bwMode="auto">
+          <a:xfrm>
+            <a:off x="533400" y="4953000"/>
+            <a:ext cx="1600200" cy="1600200"/>
+          </a:xfrm>
+          <a:prstGeom prst="rect">
+            <a:avLst/>
+          </a:prstGeom>
+          <a:noFill/>
+        </p:spPr>
+      </p:pic>
+      <p:sp>
+        <p:nvSpPr>
+          <p:cNvPr id="11304" name="AutoShape 40" descr="Resultado de imagen de male technologist emoji"/>
+          <p:cNvSpPr>
+            <a:spLocks noChangeAspect="1" noChangeArrowheads="1"/>
+          </p:cNvSpPr>
+          <p:nvPr/>
+        </p:nvSpPr>
+        <p:spPr bwMode="auto">
+          <a:xfrm>
+            <a:off x="155575" y="-144463"/>
+            <a:ext cx="304800" cy="304801"/>
+          </a:xfrm>
+          <a:prstGeom prst="rect">
+            <a:avLst/>
+          </a:prstGeom>
+          <a:noFill/>
+        </p:spPr>
+        <p:txBody>
+          <a:bodyPr vert="horz" wrap="square" lIns="91440" tIns="45720" rIns="91440" bIns="45720" numCol="1" anchor="t" anchorCtr="0" compatLnSpc="1">
+            <a:prstTxWarp prst="textNoShape">
+              <a:avLst/>
+            </a:prstTxWarp>
+          </a:bodyPr>
+          <a:lstStyle/>
+          <a:p>
+            <a:endParaRPr lang="en-US"/>
+          </a:p>
+        </p:txBody>
+      </p:sp>
+      <p:sp>
+        <p:nvSpPr>
+          <p:cNvPr id="11306" name="AutoShape 42" descr="Resultado de imagen de male technologist emoji"/>
+          <p:cNvSpPr>
+            <a:spLocks noChangeAspect="1" noChangeArrowheads="1"/>
+          </p:cNvSpPr>
+          <p:nvPr/>
+        </p:nvSpPr>
+        <p:spPr bwMode="auto">
+          <a:xfrm>
+            <a:off x="155575" y="-144463"/>
+            <a:ext cx="304800" cy="304801"/>
+          </a:xfrm>
+          <a:prstGeom prst="rect">
+            <a:avLst/>
+          </a:prstGeom>
+          <a:noFill/>
+        </p:spPr>
+        <p:txBody>
+          <a:bodyPr vert="horz" wrap="square" lIns="91440" tIns="45720" rIns="91440" bIns="45720" numCol="1" anchor="t" anchorCtr="0" compatLnSpc="1">
+            <a:prstTxWarp prst="textNoShape">
+              <a:avLst/>
+            </a:prstTxWarp>
+          </a:bodyPr>
+          <a:lstStyle/>
+          <a:p>
+            <a:endParaRPr lang="en-US"/>
+          </a:p>
+        </p:txBody>
+      </p:sp>
+      <p:sp>
+        <p:nvSpPr>
+          <p:cNvPr id="27" name="ZoneTexte 26"/>
+          <p:cNvSpPr txBox="1"/>
+          <p:nvPr/>
+        </p:nvSpPr>
+        <p:spPr>
+          <a:xfrm flipH="1">
+            <a:off x="457200" y="4953000"/>
+            <a:ext cx="2087881" cy="369332"/>
+          </a:xfrm>
+          <a:prstGeom prst="rect">
+            <a:avLst/>
+          </a:prstGeom>
+          <a:noFill/>
+        </p:spPr>
+        <p:txBody>
+          <a:bodyPr wrap="square" rtlCol="0">
+            <a:spAutoFit/>
+          </a:bodyPr>
+          <a:lstStyle/>
+          <a:p>
+            <a:r>
+              <a:rPr lang="es-ES" dirty="0" smtClean="0"/>
+              <a:t>YOU</a:t>
+            </a:r>
+            <a:endParaRPr lang="en-US" dirty="0"/>
+          </a:p>
+        </p:txBody>
+      </p:sp>
+      <p:sp>
+        <p:nvSpPr>
+          <p:cNvPr id="33" name="ZoneTexte 32"/>
+          <p:cNvSpPr txBox="1"/>
+          <p:nvPr/>
+        </p:nvSpPr>
+        <p:spPr>
+          <a:xfrm flipH="1">
+            <a:off x="2362200" y="1676400"/>
+            <a:ext cx="2087881" cy="369332"/>
+          </a:xfrm>
+          <a:prstGeom prst="rect">
+            <a:avLst/>
+          </a:prstGeom>
+          <a:noFill/>
+        </p:spPr>
+        <p:txBody>
+          <a:bodyPr wrap="square" rtlCol="0">
+            <a:spAutoFit/>
+          </a:bodyPr>
+          <a:lstStyle/>
+          <a:p>
+            <a:r>
+              <a:rPr lang="es-ES" dirty="0" smtClean="0"/>
+              <a:t>RSTUDIO</a:t>
+            </a:r>
+            <a:endParaRPr lang="en-US" dirty="0"/>
+          </a:p>
+        </p:txBody>
+      </p:sp>
+      <p:pic>
+        <p:nvPicPr>
+          <p:cNvPr id="38" name="Image 37" descr="R_logo2.png"/>
+          <p:cNvPicPr>
+            <a:picLocks noChangeAspect="1"/>
+          </p:cNvPicPr>
+          <p:nvPr/>
+        </p:nvPicPr>
+        <p:blipFill>
+          <a:blip r:embed="rId5" cstate="print"/>
+          <a:stretch>
+            <a:fillRect/>
+          </a:stretch>
+        </p:blipFill>
+        <p:spPr>
+          <a:xfrm>
+            <a:off x="304800" y="87630"/>
+            <a:ext cx="1066800" cy="826770"/>
+          </a:xfrm>
+          <a:prstGeom prst="rect">
+            <a:avLst/>
+          </a:prstGeom>
+        </p:spPr>
+      </p:pic>
+      <p:sp>
+        <p:nvSpPr>
+          <p:cNvPr id="39" name="ZoneTexte 38"/>
+          <p:cNvSpPr txBox="1"/>
+          <p:nvPr/>
+        </p:nvSpPr>
+        <p:spPr>
+          <a:xfrm flipH="1">
+            <a:off x="1371600" y="152400"/>
+            <a:ext cx="2087881" cy="369332"/>
+          </a:xfrm>
+          <a:prstGeom prst="rect">
+            <a:avLst/>
+          </a:prstGeom>
+          <a:noFill/>
+        </p:spPr>
+        <p:txBody>
+          <a:bodyPr wrap="square" rtlCol="0">
+            <a:spAutoFit/>
+          </a:bodyPr>
+          <a:lstStyle/>
+          <a:p>
+            <a:r>
+              <a:rPr lang="es-ES" dirty="0" smtClean="0"/>
+              <a:t>USETHIS</a:t>
+            </a:r>
+            <a:endParaRPr lang="en-US" dirty="0"/>
+          </a:p>
+        </p:txBody>
+      </p:sp>
+      <p:sp>
+        <p:nvSpPr>
+          <p:cNvPr id="11312" name="AutoShape 48" descr="Resultado de imagen de female technologist emoji"/>
+          <p:cNvSpPr>
+            <a:spLocks noChangeAspect="1" noChangeArrowheads="1"/>
+          </p:cNvSpPr>
+          <p:nvPr/>
+        </p:nvSpPr>
+        <p:spPr bwMode="auto">
+          <a:xfrm>
+            <a:off x="155575" y="-144463"/>
+            <a:ext cx="304800" cy="304801"/>
+          </a:xfrm>
+          <a:prstGeom prst="rect">
+            <a:avLst/>
+          </a:prstGeom>
+          <a:noFill/>
+        </p:spPr>
+        <p:txBody>
+          <a:bodyPr vert="horz" wrap="square" lIns="91440" tIns="45720" rIns="91440" bIns="45720" numCol="1" anchor="t" anchorCtr="0" compatLnSpc="1">
+            <a:prstTxWarp prst="textNoShape">
+              <a:avLst/>
+            </a:prstTxWarp>
+          </a:bodyPr>
+          <a:lstStyle/>
+          <a:p>
+            <a:endParaRPr lang="en-US"/>
+          </a:p>
+        </p:txBody>
+      </p:sp>
+      <p:sp>
+        <p:nvSpPr>
+          <p:cNvPr id="11314" name="AutoShape 50" descr="Resultado de imagen de female technologist emoji"/>
+          <p:cNvSpPr>
+            <a:spLocks noChangeAspect="1" noChangeArrowheads="1"/>
+          </p:cNvSpPr>
+          <p:nvPr/>
+        </p:nvSpPr>
+        <p:spPr bwMode="auto">
+          <a:xfrm>
+            <a:off x="155575" y="-1684338"/>
+            <a:ext cx="3514725" cy="3514726"/>
+          </a:xfrm>
+          <a:prstGeom prst="rect">
+            <a:avLst/>
+          </a:prstGeom>
+          <a:noFill/>
+        </p:spPr>
+        <p:txBody>
+          <a:bodyPr vert="horz" wrap="square" lIns="91440" tIns="45720" rIns="91440" bIns="45720" numCol="1" anchor="t" anchorCtr="0" compatLnSpc="1">
+            <a:prstTxWarp prst="textNoShape">
+              <a:avLst/>
+            </a:prstTxWarp>
+          </a:bodyPr>
+          <a:lstStyle/>
+          <a:p>
+            <a:endParaRPr lang="en-US"/>
+          </a:p>
+        </p:txBody>
+      </p:sp>
+      <p:sp>
+        <p:nvSpPr>
+          <p:cNvPr id="11316" name="AutoShape 52" descr="Resultado de imagen de female technologist emoji"/>
+          <p:cNvSpPr>
+            <a:spLocks noChangeAspect="1" noChangeArrowheads="1"/>
+          </p:cNvSpPr>
+          <p:nvPr/>
+        </p:nvSpPr>
+        <p:spPr bwMode="auto">
+          <a:xfrm>
+            <a:off x="155575" y="-1684338"/>
+            <a:ext cx="3514725" cy="3514726"/>
+          </a:xfrm>
+          <a:prstGeom prst="rect">
+            <a:avLst/>
+          </a:prstGeom>
+          <a:noFill/>
+        </p:spPr>
+        <p:txBody>
+          <a:bodyPr vert="horz" wrap="square" lIns="91440" tIns="45720" rIns="91440" bIns="45720" numCol="1" anchor="t" anchorCtr="0" compatLnSpc="1">
+            <a:prstTxWarp prst="textNoShape">
+              <a:avLst/>
+            </a:prstTxWarp>
+          </a:bodyPr>
+          <a:lstStyle/>
+          <a:p>
+            <a:endParaRPr lang="en-US"/>
+          </a:p>
+        </p:txBody>
+      </p:sp>
+      <p:sp>
+        <p:nvSpPr>
+          <p:cNvPr id="11318" name="AutoShape 54" descr="Resultado de imagen de man technologist emoji black"/>
+          <p:cNvSpPr>
+            <a:spLocks noChangeAspect="1" noChangeArrowheads="1"/>
+          </p:cNvSpPr>
+          <p:nvPr/>
+        </p:nvSpPr>
+        <p:spPr bwMode="auto">
+          <a:xfrm>
+            <a:off x="155575" y="-1684338"/>
+            <a:ext cx="3514725" cy="3514726"/>
+          </a:xfrm>
+          <a:prstGeom prst="rect">
+            <a:avLst/>
+          </a:prstGeom>
+          <a:noFill/>
+        </p:spPr>
+        <p:txBody>
+          <a:bodyPr vert="horz" wrap="square" lIns="91440" tIns="45720" rIns="91440" bIns="45720" numCol="1" anchor="t" anchorCtr="0" compatLnSpc="1">
+            <a:prstTxWarp prst="textNoShape">
+              <a:avLst/>
+            </a:prstTxWarp>
+          </a:bodyPr>
+          <a:lstStyle/>
+          <a:p>
+            <a:endParaRPr lang="en-US"/>
+          </a:p>
+        </p:txBody>
+      </p:sp>
+      <p:sp>
+        <p:nvSpPr>
+          <p:cNvPr id="11320" name="AutoShape 56" descr="Resultado de imagen de man technologist emoji black"/>
+          <p:cNvSpPr>
+            <a:spLocks noChangeAspect="1" noChangeArrowheads="1"/>
+          </p:cNvSpPr>
+          <p:nvPr/>
+        </p:nvSpPr>
+        <p:spPr bwMode="auto">
+          <a:xfrm>
+            <a:off x="155575" y="-1684338"/>
+            <a:ext cx="3514725" cy="3514726"/>
+          </a:xfrm>
+          <a:prstGeom prst="rect">
+            <a:avLst/>
+          </a:prstGeom>
+          <a:noFill/>
+        </p:spPr>
+        <p:txBody>
+          <a:bodyPr vert="horz" wrap="square" lIns="91440" tIns="45720" rIns="91440" bIns="45720" numCol="1" anchor="t" anchorCtr="0" compatLnSpc="1">
+            <a:prstTxWarp prst="textNoShape">
+              <a:avLst/>
+            </a:prstTxWarp>
+          </a:bodyPr>
+          <a:lstStyle/>
+          <a:p>
+            <a:endParaRPr lang="en-US"/>
+          </a:p>
+        </p:txBody>
+      </p:sp>
     </p:spTree>
   </p:cSld>
   <p:clrMapOvr>
